--- a/angular athens 2nd meetup - common library.pptx
+++ b/angular athens 2nd meetup - common library.pptx
@@ -19,26 +19,24 @@
     <p:sldId id="267" r:id="rId13"/>
     <p:sldId id="268" r:id="rId14"/>
     <p:sldId id="269" r:id="rId15"/>
-    <p:sldId id="291" r:id="rId16"/>
-    <p:sldId id="270" r:id="rId17"/>
-    <p:sldId id="271" r:id="rId18"/>
-    <p:sldId id="272" r:id="rId19"/>
-    <p:sldId id="279" r:id="rId20"/>
-    <p:sldId id="278" r:id="rId21"/>
-    <p:sldId id="273" r:id="rId22"/>
-    <p:sldId id="274" r:id="rId23"/>
-    <p:sldId id="275" r:id="rId24"/>
-    <p:sldId id="280" r:id="rId25"/>
-    <p:sldId id="281" r:id="rId26"/>
-    <p:sldId id="282" r:id="rId27"/>
-    <p:sldId id="283" r:id="rId28"/>
-    <p:sldId id="284" r:id="rId29"/>
-    <p:sldId id="287" r:id="rId30"/>
-    <p:sldId id="285" r:id="rId31"/>
-    <p:sldId id="286" r:id="rId32"/>
-    <p:sldId id="288" r:id="rId33"/>
-    <p:sldId id="290" r:id="rId34"/>
-    <p:sldId id="289" r:id="rId35"/>
+    <p:sldId id="270" r:id="rId16"/>
+    <p:sldId id="271" r:id="rId17"/>
+    <p:sldId id="272" r:id="rId18"/>
+    <p:sldId id="279" r:id="rId19"/>
+    <p:sldId id="278" r:id="rId20"/>
+    <p:sldId id="273" r:id="rId21"/>
+    <p:sldId id="274" r:id="rId22"/>
+    <p:sldId id="275" r:id="rId23"/>
+    <p:sldId id="280" r:id="rId24"/>
+    <p:sldId id="281" r:id="rId25"/>
+    <p:sldId id="282" r:id="rId26"/>
+    <p:sldId id="283" r:id="rId27"/>
+    <p:sldId id="284" r:id="rId28"/>
+    <p:sldId id="287" r:id="rId29"/>
+    <p:sldId id="285" r:id="rId30"/>
+    <p:sldId id="286" r:id="rId31"/>
+    <p:sldId id="288" r:id="rId32"/>
+    <p:sldId id="289" r:id="rId33"/>
   </p:sldIdLst>
   <p:sldSz cx="9144000" cy="6858000" type="screen4x3"/>
   <p:notesSz cx="6858000" cy="9144000"/>
@@ -3301,7 +3299,11 @@
           <a:p>
             <a:r>
               <a:rPr lang="en-US" b="1" dirty="0" smtClean="0"/>
-              <a:t>design</a:t>
+              <a:t>d</a:t>
+            </a:r>
+            <a:r>
+              <a:rPr lang="en-US" b="1" dirty="0" smtClean="0"/>
+              <a:t>esign</a:t>
             </a:r>
             <a:r>
               <a:rPr lang="en-US" dirty="0" smtClean="0"/>
@@ -3346,25 +3348,15 @@
             <a:pPr lvl="1"/>
             <a:r>
               <a:rPr lang="en-US" dirty="0" smtClean="0"/>
-              <a:t>application </a:t>
-            </a:r>
-            <a:r>
-              <a:rPr lang="en-US" dirty="0" smtClean="0"/>
-              <a:t>specific </a:t>
-            </a:r>
-            <a:endParaRPr lang="en-US" dirty="0" smtClean="0"/>
+              <a:t>application specific</a:t>
+            </a:r>
           </a:p>
           <a:p>
             <a:pPr lvl="1"/>
             <a:r>
               <a:rPr lang="en-US" dirty="0" smtClean="0"/>
-              <a:t>project </a:t>
-            </a:r>
-            <a:r>
-              <a:rPr lang="en-US" dirty="0" smtClean="0"/>
-              <a:t>specific </a:t>
-            </a:r>
-            <a:endParaRPr lang="en-US" dirty="0" smtClean="0"/>
+              <a:t>project specific</a:t>
+            </a:r>
           </a:p>
           <a:p>
             <a:pPr lvl="1"/>
@@ -3436,7 +3428,11 @@
           <a:p>
             <a:r>
               <a:rPr lang="en-US" b="1" dirty="0" smtClean="0"/>
-              <a:t>design</a:t>
+              <a:t>d</a:t>
+            </a:r>
+            <a:r>
+              <a:rPr lang="en-US" b="1" dirty="0" smtClean="0"/>
+              <a:t>esign</a:t>
             </a:r>
             <a:r>
               <a:rPr lang="en-US" dirty="0" smtClean="0"/>
@@ -3590,7 +3586,11 @@
           <a:p>
             <a:r>
               <a:rPr lang="en-US" b="1" dirty="0" smtClean="0"/>
-              <a:t>design</a:t>
+              <a:t>d</a:t>
+            </a:r>
+            <a:r>
+              <a:rPr lang="en-US" b="1" dirty="0" smtClean="0"/>
+              <a:t>esign</a:t>
             </a:r>
             <a:r>
               <a:rPr lang="en-US" dirty="0" smtClean="0"/>
@@ -3666,31 +3666,67 @@
               <a:rPr lang="en-US" sz="1800" dirty="0" smtClean="0">
                 <a:latin typeface="Consolas" pitchFamily="49" charset="0"/>
               </a:rPr>
-              <a:t>="4" </a:t>
-            </a:r>
-            <a:r>
-              <a:rPr lang="en-US" sz="1800" dirty="0">
-                <a:solidFill>
-                  <a:srgbClr val="2F9C0A"/>
-                </a:solidFill>
-                <a:latin typeface="Consolas"/>
-              </a:rPr>
-              <a:t>[columns</a:t>
-            </a:r>
-            <a:r>
-              <a:rPr lang="en-US" sz="1800" dirty="0" smtClean="0">
-                <a:solidFill>
-                  <a:srgbClr val="2F9C0A"/>
-                </a:solidFill>
-                <a:latin typeface="Consolas"/>
-              </a:rPr>
-              <a:t>]</a:t>
+              <a:t>="4</a:t>
             </a:r>
             <a:r>
               <a:rPr lang="en-US" sz="1800" dirty="0" smtClean="0">
                 <a:latin typeface="Consolas" pitchFamily="49" charset="0"/>
               </a:rPr>
-              <a:t>="22" &gt;&lt;/</a:t>
+              <a:t>"</a:t>
+            </a:r>
+            <a:r>
+              <a:rPr lang="en-US" sz="1800" dirty="0" smtClean="0">
+                <a:latin typeface="Consolas" pitchFamily="49" charset="0"/>
+              </a:rPr>
+              <a:t> </a:t>
+            </a:r>
+            <a:r>
+              <a:rPr lang="en-US" sz="1800" dirty="0">
+                <a:solidFill>
+                  <a:srgbClr val="2F9C0A"/>
+                </a:solidFill>
+                <a:latin typeface="Consolas"/>
+              </a:rPr>
+              <a:t>[columns</a:t>
+            </a:r>
+            <a:r>
+              <a:rPr lang="en-US" sz="1800" dirty="0" smtClean="0">
+                <a:solidFill>
+                  <a:srgbClr val="2F9C0A"/>
+                </a:solidFill>
+                <a:latin typeface="Consolas"/>
+              </a:rPr>
+              <a:t>]</a:t>
+            </a:r>
+            <a:r>
+              <a:rPr lang="en-US" sz="1800" dirty="0" smtClean="0">
+                <a:latin typeface="Consolas" pitchFamily="49" charset="0"/>
+              </a:rPr>
+              <a:t>=</a:t>
+            </a:r>
+            <a:r>
+              <a:rPr lang="en-US" sz="1800" dirty="0" smtClean="0">
+                <a:latin typeface="Consolas" pitchFamily="49" charset="0"/>
+              </a:rPr>
+              <a:t>"</a:t>
+            </a:r>
+            <a:r>
+              <a:rPr lang="en-US" sz="1800" dirty="0" smtClean="0">
+                <a:latin typeface="Consolas" pitchFamily="49" charset="0"/>
+              </a:rPr>
+              <a:t>22</a:t>
+            </a:r>
+            <a:r>
+              <a:rPr lang="en-US" sz="1800" dirty="0" smtClean="0">
+                <a:latin typeface="Consolas" pitchFamily="49" charset="0"/>
+              </a:rPr>
+              <a:t>" </a:t>
+            </a:r>
+            <a:r>
+              <a:rPr lang="en-US" sz="1800" dirty="0" smtClean="0">
+                <a:latin typeface="Consolas" pitchFamily="49" charset="0"/>
+              </a:rPr>
+              <a:t>&gt;&lt;/</a:t>
             </a:r>
             <a:r>
               <a:rPr lang="en-US" sz="1800" dirty="0" smtClean="0">
@@ -4019,7 +4055,11 @@
           <a:p>
             <a:r>
               <a:rPr lang="en-US" b="1" dirty="0" smtClean="0"/>
-              <a:t>design</a:t>
+              <a:t>d</a:t>
+            </a:r>
+            <a:r>
+              <a:rPr lang="en-US" b="1" dirty="0" smtClean="0"/>
+              <a:t>esign</a:t>
             </a:r>
             <a:r>
               <a:rPr lang="en-US" dirty="0" smtClean="0"/>
@@ -4356,7 +4396,11 @@
           <a:p>
             <a:r>
               <a:rPr lang="en-US" b="1" dirty="0" smtClean="0"/>
-              <a:t>design</a:t>
+              <a:t>d</a:t>
+            </a:r>
+            <a:r>
+              <a:rPr lang="en-US" b="1" dirty="0" smtClean="0"/>
+              <a:t>esign</a:t>
             </a:r>
             <a:r>
               <a:rPr lang="en-US" dirty="0" smtClean="0"/>
@@ -4444,52 +4488,76 @@
               <a:rPr lang="en-US" sz="2000" dirty="0" smtClean="0">
                 <a:latin typeface="Consolas" pitchFamily="49" charset="0"/>
               </a:rPr>
-              <a:t>="</a:t>
-            </a:r>
-            <a:r>
-              <a:rPr lang="en-US" sz="2000" dirty="0">
-                <a:solidFill>
-                  <a:srgbClr val="1990B8"/>
-                </a:solidFill>
-                <a:latin typeface="Consolas"/>
-              </a:rPr>
-              <a:t>image</a:t>
+              <a:t>=</a:t>
             </a:r>
             <a:r>
               <a:rPr lang="en-US" sz="2000" dirty="0" smtClean="0">
                 <a:latin typeface="Consolas" pitchFamily="49" charset="0"/>
               </a:rPr>
-              <a:t>" </a:t>
+              <a:t>"</a:t>
             </a:r>
             <a:r>
               <a:rPr lang="en-US" sz="2000" dirty="0">
                 <a:solidFill>
-                  <a:srgbClr val="2F9C0A"/>
+                  <a:srgbClr val="1990B8"/>
                 </a:solidFill>
                 <a:latin typeface="Consolas"/>
               </a:rPr>
-              <a:t>[color]</a:t>
+              <a:t>image</a:t>
             </a:r>
             <a:r>
               <a:rPr lang="en-US" sz="2000" dirty="0" smtClean="0">
                 <a:latin typeface="Consolas" pitchFamily="49" charset="0"/>
               </a:rPr>
-              <a:t>="</a:t>
-            </a:r>
-            <a:r>
-              <a:rPr lang="en-US" sz="2000" dirty="0">
-                <a:solidFill>
-                  <a:srgbClr val="1990B8"/>
-                </a:solidFill>
-                <a:latin typeface="Consolas"/>
-              </a:rPr>
-              <a:t>#FF0000</a:t>
+              <a:t>"</a:t>
             </a:r>
             <a:r>
               <a:rPr lang="en-US" sz="2000" dirty="0" smtClean="0">
                 <a:latin typeface="Consolas" pitchFamily="49" charset="0"/>
               </a:rPr>
-              <a:t>"&gt;</a:t>
+              <a:t> </a:t>
+            </a:r>
+            <a:r>
+              <a:rPr lang="en-US" sz="2000" dirty="0">
+                <a:solidFill>
+                  <a:srgbClr val="2F9C0A"/>
+                </a:solidFill>
+                <a:latin typeface="Consolas"/>
+              </a:rPr>
+              <a:t>[color]</a:t>
+            </a:r>
+            <a:r>
+              <a:rPr lang="en-US" sz="2000" dirty="0" smtClean="0">
+                <a:latin typeface="Consolas" pitchFamily="49" charset="0"/>
+              </a:rPr>
+              <a:t>=</a:t>
+            </a:r>
+            <a:r>
+              <a:rPr lang="en-US" sz="2000" dirty="0" smtClean="0">
+                <a:latin typeface="Consolas" pitchFamily="49" charset="0"/>
+              </a:rPr>
+              <a:t>"</a:t>
+            </a:r>
+            <a:r>
+              <a:rPr lang="en-US" sz="2000" dirty="0">
+                <a:solidFill>
+                  <a:srgbClr val="1990B8"/>
+                </a:solidFill>
+                <a:latin typeface="Consolas"/>
+              </a:rPr>
+              <a:t>#FF0000</a:t>
+            </a:r>
+            <a:r>
+              <a:rPr lang="en-US" sz="2000" dirty="0" smtClean="0">
+                <a:latin typeface="Consolas" pitchFamily="49" charset="0"/>
+              </a:rPr>
+              <a:t>"</a:t>
+            </a:r>
+            <a:r>
+              <a:rPr lang="en-US" sz="2000" dirty="0" smtClean="0">
+                <a:latin typeface="Consolas" pitchFamily="49" charset="0"/>
+              </a:rPr>
+              <a:t>&gt;</a:t>
             </a:r>
           </a:p>
           <a:p>
@@ -4583,7 +4651,11 @@
           <a:p>
             <a:r>
               <a:rPr lang="en-US" b="1" dirty="0" smtClean="0"/>
-              <a:t>design</a:t>
+              <a:t>d</a:t>
+            </a:r>
+            <a:r>
+              <a:rPr lang="en-US" b="1" dirty="0" smtClean="0"/>
+              <a:t>esign</a:t>
             </a:r>
             <a:r>
               <a:rPr lang="en-US" dirty="0" smtClean="0"/>
@@ -4610,60 +4682,27 @@
           </a:xfrm>
         </p:spPr>
         <p:txBody>
-          <a:bodyPr>
-            <a:normAutofit/>
-          </a:bodyPr>
-          <a:lstStyle/>
-          <a:p>
-            <a:r>
-              <a:rPr lang="en-US" sz="2800" dirty="0"/>
-              <a:t>application specific </a:t>
-            </a:r>
-            <a:r>
-              <a:rPr lang="en-US" sz="2800" dirty="0" smtClean="0"/>
-              <a:t>– usually not library worthy</a:t>
-            </a:r>
-            <a:endParaRPr lang="en-US" sz="2800" dirty="0"/>
-          </a:p>
-          <a:p>
-            <a:r>
-              <a:rPr lang="en-US" sz="2800" dirty="0"/>
-              <a:t>project specific </a:t>
-            </a:r>
-            <a:r>
-              <a:rPr lang="en-US" sz="2800" dirty="0" smtClean="0"/>
-              <a:t>– business oriented library worthy</a:t>
-            </a:r>
-            <a:endParaRPr lang="en-US" sz="2800" dirty="0"/>
-          </a:p>
-          <a:p>
-            <a:r>
-              <a:rPr lang="en-US" sz="2800" dirty="0"/>
-              <a:t>business </a:t>
-            </a:r>
-            <a:r>
-              <a:rPr lang="en-US" sz="2800" dirty="0" smtClean="0"/>
-              <a:t>specific – business oriented library worthy</a:t>
-            </a:r>
-            <a:endParaRPr lang="en-US" sz="2800" dirty="0"/>
-          </a:p>
-          <a:p>
-            <a:r>
-              <a:rPr lang="en-US" sz="2800" dirty="0"/>
-              <a:t>open source </a:t>
-            </a:r>
-            <a:r>
-              <a:rPr lang="en-US" sz="2800" dirty="0" smtClean="0"/>
-              <a:t>worthy – common library worthy</a:t>
-            </a:r>
-            <a:endParaRPr lang="en-US" sz="2800" dirty="0"/>
+          <a:bodyPr/>
+          <a:lstStyle/>
+          <a:p>
+            <a:r>
+              <a:rPr lang="en-US" dirty="0" smtClean="0"/>
+              <a:t>decide how much to break down the components</a:t>
+            </a:r>
+          </a:p>
+          <a:p>
+            <a:pPr lvl="1"/>
+            <a:r>
+              <a:rPr lang="en-US" dirty="0" smtClean="0"/>
+              <a:t>having a component perform a complex or specific task isn't always bad!</a:t>
+            </a:r>
           </a:p>
         </p:txBody>
       </p:sp>
     </p:spTree>
     <p:extLst>
       <p:ext uri="{BB962C8B-B14F-4D97-AF65-F5344CB8AC3E}">
-        <p14:creationId xmlns:p14="http://schemas.microsoft.com/office/powerpoint/2010/main" val="2571263638"/>
+        <p14:creationId xmlns:p14="http://schemas.microsoft.com/office/powerpoint/2010/main" val="934422682"/>
       </p:ext>
     </p:extLst>
   </p:cSld>
@@ -4713,12 +4752,20 @@
           <a:lstStyle/>
           <a:p>
             <a:r>
+              <a:rPr lang="en-US" dirty="0" smtClean="0"/>
+              <a:t>d</a:t>
+            </a:r>
+            <a:r>
+              <a:rPr lang="en-US" dirty="0" smtClean="0"/>
+              <a:t>esign – </a:t>
+            </a:r>
+            <a:r>
               <a:rPr lang="en-US" b="1" dirty="0" smtClean="0"/>
-              <a:t>design</a:t>
-            </a:r>
-            <a:r>
-              <a:rPr lang="en-US" dirty="0" smtClean="0"/>
-              <a:t> – develop - deploy</a:t>
+              <a:t>develop</a:t>
+            </a:r>
+            <a:r>
+              <a:rPr lang="en-US" dirty="0" smtClean="0"/>
+              <a:t> - deploy</a:t>
             </a:r>
             <a:endParaRPr lang="el-GR" dirty="0"/>
           </a:p>
@@ -4744,16 +4791,24 @@
           <a:bodyPr/>
           <a:lstStyle/>
           <a:p>
-            <a:r>
-              <a:rPr lang="en-US" dirty="0" smtClean="0"/>
-              <a:t>decide how much to break down the components</a:t>
-            </a:r>
-          </a:p>
-          <a:p>
-            <a:pPr lvl="1"/>
-            <a:r>
-              <a:rPr lang="en-US" dirty="0" smtClean="0"/>
-              <a:t>having a component perform a complex or specific task isn't always bad!</a:t>
+            <a:pPr marL="457200" lvl="1" indent="0">
+              <a:buNone/>
+            </a:pPr>
+            <a:endParaRPr lang="en-US" dirty="0" smtClean="0"/>
+          </a:p>
+          <a:p>
+            <a:pPr marL="457200" lvl="1" indent="0">
+              <a:buNone/>
+            </a:pPr>
+            <a:endParaRPr lang="en-US" dirty="0"/>
+          </a:p>
+          <a:p>
+            <a:pPr marL="457200" lvl="1" indent="0" algn="ctr">
+              <a:buNone/>
+            </a:pPr>
+            <a:r>
+              <a:rPr lang="en-US" dirty="0" smtClean="0"/>
+              <a:t>The biggest drive in development should always be to make the library maintainable</a:t>
             </a:r>
           </a:p>
         </p:txBody>
@@ -4761,7 +4816,7 @@
     </p:spTree>
     <p:extLst>
       <p:ext uri="{BB962C8B-B14F-4D97-AF65-F5344CB8AC3E}">
-        <p14:creationId xmlns:p14="http://schemas.microsoft.com/office/powerpoint/2010/main" val="934422682"/>
+        <p14:creationId xmlns:p14="http://schemas.microsoft.com/office/powerpoint/2010/main" val="3433601566"/>
       </p:ext>
     </p:extLst>
   </p:cSld>
@@ -4812,7 +4867,11 @@
           <a:p>
             <a:r>
               <a:rPr lang="en-US" dirty="0" smtClean="0"/>
-              <a:t>design – </a:t>
+              <a:t>d</a:t>
+            </a:r>
+            <a:r>
+              <a:rPr lang="en-US" dirty="0" smtClean="0"/>
+              <a:t>esign – </a:t>
             </a:r>
             <a:r>
               <a:rPr lang="en-US" b="1" dirty="0" smtClean="0"/>
@@ -4846,24 +4905,30 @@
           <a:bodyPr/>
           <a:lstStyle/>
           <a:p>
-            <a:pPr marL="457200" lvl="1" indent="0">
-              <a:buNone/>
-            </a:pPr>
-            <a:endParaRPr lang="en-US" dirty="0" smtClean="0"/>
-          </a:p>
-          <a:p>
-            <a:pPr marL="457200" lvl="1" indent="0">
-              <a:buNone/>
-            </a:pPr>
-            <a:endParaRPr lang="en-US" dirty="0"/>
-          </a:p>
-          <a:p>
-            <a:pPr marL="457200" lvl="1" indent="0" algn="ctr">
-              <a:buNone/>
-            </a:pPr>
-            <a:r>
-              <a:rPr lang="en-US" dirty="0" smtClean="0"/>
-              <a:t>The biggest drive in development should always be to make the library maintainable</a:t>
+            <a:r>
+              <a:rPr lang="en-US" dirty="0" smtClean="0"/>
+              <a:t>Clearly define inputs/outputs of the component/services/pipes</a:t>
+            </a:r>
+          </a:p>
+          <a:p>
+            <a:pPr lvl="1"/>
+            <a:r>
+              <a:rPr lang="en-US" dirty="0" smtClean="0"/>
+              <a:t>Avoid having a lot of inputs</a:t>
+            </a:r>
+          </a:p>
+          <a:p>
+            <a:pPr lvl="2"/>
+            <a:r>
+              <a:rPr lang="en-US" dirty="0" smtClean="0"/>
+              <a:t>Break the components into smaller ones or use a properties object</a:t>
+            </a:r>
+          </a:p>
+          <a:p>
+            <a:pPr lvl="2"/>
+            <a:r>
+              <a:rPr lang="en-US" dirty="0" smtClean="0"/>
+              <a:t>Don’t use objects for everything either</a:t>
             </a:r>
           </a:p>
         </p:txBody>
@@ -4922,7 +4987,11 @@
           <a:p>
             <a:r>
               <a:rPr lang="en-US" dirty="0" smtClean="0"/>
-              <a:t>design – </a:t>
+              <a:t>d</a:t>
+            </a:r>
+            <a:r>
+              <a:rPr lang="en-US" dirty="0" smtClean="0"/>
+              <a:t>esign – </a:t>
             </a:r>
             <a:r>
               <a:rPr lang="en-US" b="1" dirty="0" smtClean="0"/>
@@ -4953,7 +5022,9 @@
           </a:xfrm>
         </p:spPr>
         <p:txBody>
-          <a:bodyPr/>
+          <a:bodyPr>
+            <a:normAutofit/>
+          </a:bodyPr>
           <a:lstStyle/>
           <a:p>
             <a:r>
@@ -4967,27 +5038,554 @@
               <a:rPr lang="en-US" dirty="0" smtClean="0"/>
               <a:t>Avoid having a lot of inputs</a:t>
             </a:r>
-          </a:p>
-          <a:p>
-            <a:pPr lvl="2"/>
-            <a:r>
-              <a:rPr lang="en-US" dirty="0" smtClean="0"/>
-              <a:t>Break the components into smaller ones or use a properties object</a:t>
-            </a:r>
-          </a:p>
-          <a:p>
-            <a:pPr lvl="2"/>
-            <a:r>
-              <a:rPr lang="en-US" dirty="0" smtClean="0"/>
-              <a:t>Don’t use objects for everything either</a:t>
-            </a:r>
+            <a:endParaRPr lang="en-US" dirty="0"/>
+          </a:p>
+          <a:p>
+            <a:pPr lvl="1"/>
+            <a:endParaRPr lang="en-US" dirty="0" smtClean="0"/>
+          </a:p>
+          <a:p>
+            <a:pPr marL="0" indent="0">
+              <a:buNone/>
+            </a:pPr>
+            <a:r>
+              <a:rPr lang="en-US" sz="2200" b="0" i="0" dirty="0" smtClean="0">
+                <a:solidFill>
+                  <a:srgbClr val="5F6364"/>
+                </a:solidFill>
+                <a:effectLst/>
+                <a:latin typeface="Consolas"/>
+              </a:rPr>
+              <a:t>&lt;</a:t>
+            </a:r>
+            <a:r>
+              <a:rPr lang="en-US" sz="2200" b="0" i="0" dirty="0" smtClean="0">
+                <a:solidFill>
+                  <a:srgbClr val="C92C2C"/>
+                </a:solidFill>
+                <a:effectLst/>
+                <a:latin typeface="Consolas"/>
+              </a:rPr>
+              <a:t>p-table </a:t>
+            </a:r>
+            <a:r>
+              <a:rPr lang="en-US" sz="2200" b="0" i="0" dirty="0" smtClean="0">
+                <a:solidFill>
+                  <a:srgbClr val="2F9C0A"/>
+                </a:solidFill>
+                <a:effectLst/>
+                <a:latin typeface="Consolas"/>
+              </a:rPr>
+              <a:t>[columns]</a:t>
+            </a:r>
+            <a:r>
+              <a:rPr lang="en-US" sz="2200" b="0" i="0" dirty="0" smtClean="0">
+                <a:solidFill>
+                  <a:srgbClr val="5F6364"/>
+                </a:solidFill>
+                <a:effectLst/>
+                <a:latin typeface="Consolas"/>
+              </a:rPr>
+              <a:t>="</a:t>
+            </a:r>
+            <a:r>
+              <a:rPr lang="en-US" sz="2200" b="0" i="0" dirty="0" smtClean="0">
+                <a:solidFill>
+                  <a:srgbClr val="1990B8"/>
+                </a:solidFill>
+                <a:effectLst/>
+                <a:latin typeface="Consolas"/>
+              </a:rPr>
+              <a:t>cols</a:t>
+            </a:r>
+            <a:r>
+              <a:rPr lang="en-US" sz="2200" b="0" i="0" dirty="0" smtClean="0">
+                <a:solidFill>
+                  <a:srgbClr val="5F6364"/>
+                </a:solidFill>
+                <a:effectLst/>
+                <a:latin typeface="Consolas"/>
+              </a:rPr>
+              <a:t>"</a:t>
+            </a:r>
+            <a:r>
+              <a:rPr lang="en-US" sz="2200" b="0" i="0" dirty="0" smtClean="0">
+                <a:solidFill>
+                  <a:srgbClr val="C92C2C"/>
+                </a:solidFill>
+                <a:effectLst/>
+                <a:latin typeface="Consolas"/>
+              </a:rPr>
+              <a:t> </a:t>
+            </a:r>
+            <a:r>
+              <a:rPr lang="en-US" sz="2200" b="0" i="0" dirty="0" smtClean="0">
+                <a:solidFill>
+                  <a:srgbClr val="2F9C0A"/>
+                </a:solidFill>
+                <a:effectLst/>
+                <a:latin typeface="Consolas"/>
+              </a:rPr>
+              <a:t>[value]</a:t>
+            </a:r>
+            <a:r>
+              <a:rPr lang="en-US" sz="2200" b="0" i="0" dirty="0" smtClean="0">
+                <a:solidFill>
+                  <a:srgbClr val="5F6364"/>
+                </a:solidFill>
+                <a:effectLst/>
+                <a:latin typeface="Consolas"/>
+              </a:rPr>
+              <a:t>="</a:t>
+            </a:r>
+            <a:r>
+              <a:rPr lang="en-US" sz="2200" b="0" i="0" dirty="0" smtClean="0">
+                <a:solidFill>
+                  <a:srgbClr val="1990B8"/>
+                </a:solidFill>
+                <a:effectLst/>
+                <a:latin typeface="Consolas"/>
+              </a:rPr>
+              <a:t>cars</a:t>
+            </a:r>
+            <a:r>
+              <a:rPr lang="en-US" sz="2200" b="0" i="0" dirty="0" smtClean="0">
+                <a:solidFill>
+                  <a:srgbClr val="5F6364"/>
+                </a:solidFill>
+                <a:effectLst/>
+                <a:latin typeface="Consolas"/>
+              </a:rPr>
+              <a:t>"</a:t>
+            </a:r>
+            <a:r>
+              <a:rPr lang="en-US" sz="2200" b="0" i="0" dirty="0" smtClean="0">
+                <a:solidFill>
+                  <a:srgbClr val="C92C2C"/>
+                </a:solidFill>
+                <a:effectLst/>
+                <a:latin typeface="Consolas"/>
+              </a:rPr>
+              <a:t> 	</a:t>
+            </a:r>
+            <a:r>
+              <a:rPr lang="en-US" sz="2200" b="0" i="0" dirty="0" smtClean="0">
+                <a:solidFill>
+                  <a:srgbClr val="2F9C0A"/>
+                </a:solidFill>
+                <a:effectLst/>
+                <a:latin typeface="Consolas"/>
+              </a:rPr>
+              <a:t>[lazy]</a:t>
+            </a:r>
+            <a:r>
+              <a:rPr lang="en-US" sz="2200" b="0" i="0" dirty="0" smtClean="0">
+                <a:solidFill>
+                  <a:srgbClr val="5F6364"/>
+                </a:solidFill>
+                <a:effectLst/>
+                <a:latin typeface="Consolas"/>
+              </a:rPr>
+              <a:t>="</a:t>
+            </a:r>
+            <a:r>
+              <a:rPr lang="en-US" sz="2200" b="0" i="0" dirty="0" smtClean="0">
+                <a:solidFill>
+                  <a:srgbClr val="1990B8"/>
+                </a:solidFill>
+                <a:effectLst/>
+                <a:latin typeface="Consolas"/>
+              </a:rPr>
+              <a:t>true</a:t>
+            </a:r>
+            <a:r>
+              <a:rPr lang="en-US" sz="2200" b="0" i="0" dirty="0" smtClean="0">
+                <a:solidFill>
+                  <a:srgbClr val="5F6364"/>
+                </a:solidFill>
+                <a:effectLst/>
+                <a:latin typeface="Consolas"/>
+              </a:rPr>
+              <a:t>" 	</a:t>
+            </a:r>
+            <a:r>
+              <a:rPr lang="en-US" sz="2200" b="0" i="0" dirty="0" smtClean="0">
+                <a:solidFill>
+                  <a:srgbClr val="2F9C0A"/>
+                </a:solidFill>
+                <a:effectLst/>
+                <a:latin typeface="Consolas"/>
+              </a:rPr>
+              <a:t>(</a:t>
+            </a:r>
+            <a:r>
+              <a:rPr lang="en-US" sz="2200" b="0" i="0" dirty="0" err="1" smtClean="0">
+                <a:solidFill>
+                  <a:srgbClr val="2F9C0A"/>
+                </a:solidFill>
+                <a:effectLst/>
+                <a:latin typeface="Consolas"/>
+              </a:rPr>
+              <a:t>onLazyLoad</a:t>
+            </a:r>
+            <a:r>
+              <a:rPr lang="en-US" sz="2200" b="0" i="0" dirty="0" smtClean="0">
+                <a:solidFill>
+                  <a:srgbClr val="2F9C0A"/>
+                </a:solidFill>
+                <a:effectLst/>
+                <a:latin typeface="Consolas"/>
+              </a:rPr>
+              <a:t>)</a:t>
+            </a:r>
+            <a:r>
+              <a:rPr lang="en-US" sz="2200" b="0" i="0" dirty="0" smtClean="0">
+                <a:solidFill>
+                  <a:srgbClr val="5F6364"/>
+                </a:solidFill>
+                <a:effectLst/>
+                <a:latin typeface="Consolas"/>
+              </a:rPr>
+              <a:t>="</a:t>
+            </a:r>
+            <a:r>
+              <a:rPr lang="en-US" sz="2200" b="0" i="0" dirty="0" err="1" smtClean="0">
+                <a:solidFill>
+                  <a:srgbClr val="1990B8"/>
+                </a:solidFill>
+                <a:effectLst/>
+                <a:latin typeface="Consolas"/>
+              </a:rPr>
+              <a:t>loadCarsLazy</a:t>
+            </a:r>
+            <a:r>
+              <a:rPr lang="en-US" sz="2200" b="0" i="0" dirty="0" smtClean="0">
+                <a:solidFill>
+                  <a:srgbClr val="1990B8"/>
+                </a:solidFill>
+                <a:effectLst/>
+                <a:latin typeface="Consolas"/>
+              </a:rPr>
+              <a:t>($event)</a:t>
+            </a:r>
+            <a:r>
+              <a:rPr lang="en-US" sz="2200" b="0" i="0" dirty="0" smtClean="0">
+                <a:solidFill>
+                  <a:srgbClr val="5F6364"/>
+                </a:solidFill>
+                <a:effectLst/>
+                <a:latin typeface="Consolas"/>
+              </a:rPr>
+              <a:t>"</a:t>
+            </a:r>
+            <a:r>
+              <a:rPr lang="en-US" sz="2200" b="0" i="0" dirty="0" smtClean="0">
+                <a:solidFill>
+                  <a:srgbClr val="C92C2C"/>
+                </a:solidFill>
+                <a:effectLst/>
+                <a:latin typeface="Consolas"/>
+              </a:rPr>
+              <a:t> 	</a:t>
+            </a:r>
+            <a:r>
+              <a:rPr lang="en-US" sz="2200" b="0" i="0" dirty="0" smtClean="0">
+                <a:solidFill>
+                  <a:srgbClr val="2F9C0A"/>
+                </a:solidFill>
+                <a:effectLst/>
+                <a:latin typeface="Consolas"/>
+              </a:rPr>
+              <a:t>[</a:t>
+            </a:r>
+            <a:r>
+              <a:rPr lang="en-US" sz="2200" b="0" i="0" dirty="0" err="1" smtClean="0">
+                <a:solidFill>
+                  <a:srgbClr val="2F9C0A"/>
+                </a:solidFill>
+                <a:effectLst/>
+                <a:latin typeface="Consolas"/>
+              </a:rPr>
+              <a:t>paginator</a:t>
+            </a:r>
+            <a:r>
+              <a:rPr lang="en-US" sz="2200" b="0" i="0" dirty="0" smtClean="0">
+                <a:solidFill>
+                  <a:srgbClr val="2F9C0A"/>
+                </a:solidFill>
+                <a:effectLst/>
+                <a:latin typeface="Consolas"/>
+              </a:rPr>
+              <a:t>]</a:t>
+            </a:r>
+            <a:r>
+              <a:rPr lang="en-US" sz="2200" b="0" i="0" dirty="0" smtClean="0">
+                <a:solidFill>
+                  <a:srgbClr val="5F6364"/>
+                </a:solidFill>
+                <a:effectLst/>
+                <a:latin typeface="Consolas"/>
+              </a:rPr>
+              <a:t>="</a:t>
+            </a:r>
+            <a:r>
+              <a:rPr lang="en-US" sz="2200" b="0" i="0" dirty="0" smtClean="0">
+                <a:solidFill>
+                  <a:srgbClr val="1990B8"/>
+                </a:solidFill>
+                <a:effectLst/>
+                <a:latin typeface="Consolas"/>
+              </a:rPr>
+              <a:t>true</a:t>
+            </a:r>
+            <a:r>
+              <a:rPr lang="en-US" sz="2200" b="0" i="0" dirty="0" smtClean="0">
+                <a:solidFill>
+                  <a:srgbClr val="5F6364"/>
+                </a:solidFill>
+                <a:effectLst/>
+                <a:latin typeface="Consolas"/>
+              </a:rPr>
+              <a:t>"</a:t>
+            </a:r>
+            <a:r>
+              <a:rPr lang="en-US" sz="2200" b="0" i="0" dirty="0" smtClean="0">
+                <a:solidFill>
+                  <a:srgbClr val="C92C2C"/>
+                </a:solidFill>
+                <a:effectLst/>
+                <a:latin typeface="Consolas"/>
+              </a:rPr>
+              <a:t> </a:t>
+            </a:r>
+            <a:r>
+              <a:rPr lang="en-US" sz="2200" b="0" i="0" dirty="0" smtClean="0">
+                <a:solidFill>
+                  <a:srgbClr val="2F9C0A"/>
+                </a:solidFill>
+                <a:effectLst/>
+                <a:latin typeface="Consolas"/>
+              </a:rPr>
+              <a:t>[rows]</a:t>
+            </a:r>
+            <a:r>
+              <a:rPr lang="en-US" sz="2200" b="0" i="0" dirty="0" smtClean="0">
+                <a:solidFill>
+                  <a:srgbClr val="5F6364"/>
+                </a:solidFill>
+                <a:effectLst/>
+                <a:latin typeface="Consolas"/>
+              </a:rPr>
+              <a:t>="</a:t>
+            </a:r>
+            <a:r>
+              <a:rPr lang="en-US" sz="2200" b="0" i="0" dirty="0" smtClean="0">
+                <a:solidFill>
+                  <a:srgbClr val="1990B8"/>
+                </a:solidFill>
+                <a:effectLst/>
+                <a:latin typeface="Consolas"/>
+              </a:rPr>
+              <a:t>10</a:t>
+            </a:r>
+            <a:r>
+              <a:rPr lang="en-US" sz="2200" b="0" i="0" dirty="0" smtClean="0">
+                <a:solidFill>
+                  <a:srgbClr val="5F6364"/>
+                </a:solidFill>
+                <a:effectLst/>
+                <a:latin typeface="Consolas"/>
+              </a:rPr>
+              <a:t>"</a:t>
+            </a:r>
+            <a:r>
+              <a:rPr lang="en-US" sz="2200" b="0" i="0" dirty="0" smtClean="0">
+                <a:solidFill>
+                  <a:srgbClr val="C92C2C"/>
+                </a:solidFill>
+                <a:effectLst/>
+                <a:latin typeface="Consolas"/>
+              </a:rPr>
+              <a:t> 	</a:t>
+            </a:r>
+            <a:r>
+              <a:rPr lang="en-US" sz="2200" b="0" i="0" dirty="0" smtClean="0">
+                <a:solidFill>
+                  <a:srgbClr val="2F9C0A"/>
+                </a:solidFill>
+                <a:effectLst/>
+                <a:latin typeface="Consolas"/>
+              </a:rPr>
+              <a:t>[</a:t>
+            </a:r>
+            <a:r>
+              <a:rPr lang="en-US" sz="2200" b="0" i="0" dirty="0" err="1" smtClean="0">
+                <a:solidFill>
+                  <a:srgbClr val="2F9C0A"/>
+                </a:solidFill>
+                <a:effectLst/>
+                <a:latin typeface="Consolas"/>
+              </a:rPr>
+              <a:t>totalRecords</a:t>
+            </a:r>
+            <a:r>
+              <a:rPr lang="en-US" sz="2200" b="0" i="0" dirty="0" smtClean="0">
+                <a:solidFill>
+                  <a:srgbClr val="2F9C0A"/>
+                </a:solidFill>
+                <a:effectLst/>
+                <a:latin typeface="Consolas"/>
+              </a:rPr>
+              <a:t>]</a:t>
+            </a:r>
+            <a:r>
+              <a:rPr lang="en-US" sz="2200" b="0" i="0" dirty="0" smtClean="0">
+                <a:solidFill>
+                  <a:srgbClr val="5F6364"/>
+                </a:solidFill>
+                <a:effectLst/>
+                <a:latin typeface="Consolas"/>
+              </a:rPr>
+              <a:t>="</a:t>
+            </a:r>
+            <a:r>
+              <a:rPr lang="en-US" sz="2200" b="0" i="0" dirty="0" err="1" smtClean="0">
+                <a:solidFill>
+                  <a:srgbClr val="1990B8"/>
+                </a:solidFill>
+                <a:effectLst/>
+                <a:latin typeface="Consolas"/>
+              </a:rPr>
+              <a:t>totalRecords</a:t>
+            </a:r>
+            <a:r>
+              <a:rPr lang="en-US" sz="2200" b="0" i="0" dirty="0" smtClean="0">
+                <a:solidFill>
+                  <a:srgbClr val="5F6364"/>
+                </a:solidFill>
+                <a:effectLst/>
+                <a:latin typeface="Consolas"/>
+              </a:rPr>
+              <a:t>"</a:t>
+            </a:r>
+            <a:r>
+              <a:rPr lang="en-US" sz="2200" b="0" i="0" dirty="0" smtClean="0">
+                <a:solidFill>
+                  <a:srgbClr val="5F6364"/>
+                </a:solidFill>
+                <a:effectLst/>
+                <a:latin typeface="Consolas"/>
+              </a:rPr>
+              <a:t> 	</a:t>
+            </a:r>
+            <a:r>
+              <a:rPr lang="en-US" sz="2200" b="0" i="0" dirty="0" smtClean="0">
+                <a:solidFill>
+                  <a:srgbClr val="2F9C0A"/>
+                </a:solidFill>
+                <a:effectLst/>
+                <a:latin typeface="Consolas"/>
+              </a:rPr>
+              <a:t>[scrollable]</a:t>
+            </a:r>
+            <a:r>
+              <a:rPr lang="en-US" sz="2200" b="0" i="0" dirty="0" smtClean="0">
+                <a:solidFill>
+                  <a:srgbClr val="5F6364"/>
+                </a:solidFill>
+                <a:effectLst/>
+                <a:latin typeface="Consolas"/>
+              </a:rPr>
+              <a:t>="</a:t>
+            </a:r>
+            <a:r>
+              <a:rPr lang="en-US" sz="2200" b="0" i="0" dirty="0" smtClean="0">
+                <a:solidFill>
+                  <a:srgbClr val="1990B8"/>
+                </a:solidFill>
+                <a:effectLst/>
+                <a:latin typeface="Consolas"/>
+              </a:rPr>
+              <a:t>true</a:t>
+            </a:r>
+            <a:r>
+              <a:rPr lang="en-US" sz="2200" b="0" i="0" dirty="0" smtClean="0">
+                <a:solidFill>
+                  <a:srgbClr val="5F6364"/>
+                </a:solidFill>
+                <a:effectLst/>
+                <a:latin typeface="Consolas"/>
+              </a:rPr>
+              <a:t>"</a:t>
+            </a:r>
+            <a:r>
+              <a:rPr lang="en-US" sz="2200" b="0" i="0" dirty="0" smtClean="0">
+                <a:solidFill>
+                  <a:srgbClr val="C92C2C"/>
+                </a:solidFill>
+                <a:effectLst/>
+                <a:latin typeface="Consolas"/>
+              </a:rPr>
+              <a:t> </a:t>
+            </a:r>
+            <a:r>
+              <a:rPr lang="en-US" sz="2200" b="0" i="0" dirty="0" err="1" smtClean="0">
+                <a:solidFill>
+                  <a:srgbClr val="2F9C0A"/>
+                </a:solidFill>
+                <a:effectLst/>
+                <a:latin typeface="Consolas"/>
+              </a:rPr>
+              <a:t>scrollHeight</a:t>
+            </a:r>
+            <a:r>
+              <a:rPr lang="en-US" sz="2200" b="0" i="0" dirty="0" smtClean="0">
+                <a:solidFill>
+                  <a:srgbClr val="5F6364"/>
+                </a:solidFill>
+                <a:effectLst/>
+                <a:latin typeface="Consolas"/>
+              </a:rPr>
+              <a:t>="</a:t>
+            </a:r>
+            <a:r>
+              <a:rPr lang="en-US" sz="2200" b="0" i="0" dirty="0" smtClean="0">
+                <a:solidFill>
+                  <a:srgbClr val="1990B8"/>
+                </a:solidFill>
+                <a:effectLst/>
+                <a:latin typeface="Consolas"/>
+              </a:rPr>
+              <a:t>200px</a:t>
+            </a:r>
+            <a:r>
+              <a:rPr lang="en-US" sz="2200" b="0" i="0" dirty="0" smtClean="0">
+                <a:solidFill>
+                  <a:srgbClr val="5F6364"/>
+                </a:solidFill>
+                <a:effectLst/>
+                <a:latin typeface="Consolas"/>
+              </a:rPr>
+              <a:t>" …</a:t>
+            </a:r>
+            <a:r>
+              <a:rPr lang="en-US" sz="2200" b="0" i="0" dirty="0" err="1" smtClean="0">
+                <a:solidFill>
+                  <a:srgbClr val="5F6364"/>
+                </a:solidFill>
+                <a:effectLst/>
+                <a:latin typeface="Consolas"/>
+              </a:rPr>
+              <a:t>etc</a:t>
+            </a:r>
+            <a:endParaRPr lang="en-US" sz="2200" dirty="0" smtClean="0"/>
           </a:p>
         </p:txBody>
       </p:sp>
     </p:spTree>
     <p:extLst>
       <p:ext uri="{BB962C8B-B14F-4D97-AF65-F5344CB8AC3E}">
-        <p14:creationId xmlns:p14="http://schemas.microsoft.com/office/powerpoint/2010/main" val="3433601566"/>
+        <p14:creationId xmlns:p14="http://schemas.microsoft.com/office/powerpoint/2010/main" val="1705695326"/>
       </p:ext>
     </p:extLst>
   </p:cSld>
@@ -5038,743 +5636,11 @@
           <a:p>
             <a:r>
               <a:rPr lang="en-US" dirty="0" smtClean="0"/>
-              <a:t>design – </a:t>
-            </a:r>
-            <a:r>
-              <a:rPr lang="en-US" b="1" dirty="0" smtClean="0"/>
-              <a:t>develop</a:t>
-            </a:r>
-            <a:r>
-              <a:rPr lang="en-US" dirty="0" smtClean="0"/>
-              <a:t> - deploy</a:t>
-            </a:r>
-            <a:endParaRPr lang="el-GR" dirty="0"/>
-          </a:p>
-        </p:txBody>
-      </p:sp>
-      <p:sp>
-        <p:nvSpPr>
-          <p:cNvPr id="3" name="Content Placeholder 2"/>
-          <p:cNvSpPr>
-            <a:spLocks noGrp="1"/>
-          </p:cNvSpPr>
-          <p:nvPr>
-            <p:ph idx="1"/>
-          </p:nvPr>
-        </p:nvSpPr>
-        <p:spPr>
-          <a:xfrm>
-            <a:off x="457200" y="1524000"/>
-            <a:ext cx="8229600" cy="4602163"/>
-          </a:xfrm>
-        </p:spPr>
-        <p:txBody>
-          <a:bodyPr>
-            <a:normAutofit/>
-          </a:bodyPr>
-          <a:lstStyle/>
-          <a:p>
-            <a:r>
-              <a:rPr lang="en-US" dirty="0" smtClean="0"/>
-              <a:t>Clearly define inputs/outputs of the component/services/pipes</a:t>
-            </a:r>
-          </a:p>
-          <a:p>
-            <a:pPr lvl="1"/>
-            <a:r>
-              <a:rPr lang="en-US" dirty="0" smtClean="0"/>
-              <a:t>Avoid having a lot of inputs</a:t>
-            </a:r>
-            <a:endParaRPr lang="en-US" dirty="0"/>
-          </a:p>
-          <a:p>
-            <a:pPr lvl="1"/>
-            <a:endParaRPr lang="en-US" dirty="0" smtClean="0"/>
-          </a:p>
-          <a:p>
-            <a:pPr marL="0" indent="0">
-              <a:buNone/>
-            </a:pPr>
-            <a:r>
-              <a:rPr lang="en-US" sz="2200" b="0" i="0" dirty="0" smtClean="0">
-                <a:solidFill>
-                  <a:srgbClr val="5F6364"/>
-                </a:solidFill>
-                <a:effectLst/>
-                <a:latin typeface="Consolas"/>
-              </a:rPr>
-              <a:t>&lt;</a:t>
-            </a:r>
-            <a:r>
-              <a:rPr lang="en-US" sz="2200" b="0" i="0" dirty="0" smtClean="0">
-                <a:solidFill>
-                  <a:srgbClr val="C92C2C"/>
-                </a:solidFill>
-                <a:effectLst/>
-                <a:latin typeface="Consolas"/>
-              </a:rPr>
-              <a:t>p-table </a:t>
-            </a:r>
-            <a:r>
-              <a:rPr lang="en-US" sz="2200" b="0" i="0" dirty="0" smtClean="0">
-                <a:solidFill>
-                  <a:srgbClr val="2F9C0A"/>
-                </a:solidFill>
-                <a:effectLst/>
-                <a:latin typeface="Consolas"/>
-              </a:rPr>
-              <a:t>[columns]</a:t>
-            </a:r>
-            <a:r>
-              <a:rPr lang="en-US" sz="2200" b="0" i="0" dirty="0" smtClean="0">
-                <a:solidFill>
-                  <a:srgbClr val="5F6364"/>
-                </a:solidFill>
-                <a:effectLst/>
-                <a:latin typeface="Consolas"/>
-              </a:rPr>
-              <a:t>="</a:t>
-            </a:r>
-            <a:r>
-              <a:rPr lang="en-US" sz="2200" b="0" i="0" dirty="0" smtClean="0">
-                <a:solidFill>
-                  <a:srgbClr val="1990B8"/>
-                </a:solidFill>
-                <a:effectLst/>
-                <a:latin typeface="Consolas"/>
-              </a:rPr>
-              <a:t>cols</a:t>
-            </a:r>
-            <a:r>
-              <a:rPr lang="en-US" sz="2200" b="0" i="0" dirty="0" smtClean="0">
-                <a:solidFill>
-                  <a:srgbClr val="5F6364"/>
-                </a:solidFill>
-                <a:effectLst/>
-                <a:latin typeface="Consolas"/>
-              </a:rPr>
-              <a:t>"</a:t>
-            </a:r>
-            <a:r>
-              <a:rPr lang="en-US" sz="2200" b="0" i="0" dirty="0" smtClean="0">
-                <a:solidFill>
-                  <a:srgbClr val="C92C2C"/>
-                </a:solidFill>
-                <a:effectLst/>
-                <a:latin typeface="Consolas"/>
-              </a:rPr>
-              <a:t> </a:t>
-            </a:r>
-            <a:r>
-              <a:rPr lang="en-US" sz="2200" b="0" i="0" dirty="0" smtClean="0">
-                <a:solidFill>
-                  <a:srgbClr val="2F9C0A"/>
-                </a:solidFill>
-                <a:effectLst/>
-                <a:latin typeface="Consolas"/>
-              </a:rPr>
-              <a:t>[value]</a:t>
-            </a:r>
-            <a:r>
-              <a:rPr lang="en-US" sz="2200" b="0" i="0" dirty="0" smtClean="0">
-                <a:solidFill>
-                  <a:srgbClr val="5F6364"/>
-                </a:solidFill>
-                <a:effectLst/>
-                <a:latin typeface="Consolas"/>
-              </a:rPr>
-              <a:t>="</a:t>
-            </a:r>
-            <a:r>
-              <a:rPr lang="en-US" sz="2200" b="0" i="0" dirty="0" smtClean="0">
-                <a:solidFill>
-                  <a:srgbClr val="1990B8"/>
-                </a:solidFill>
-                <a:effectLst/>
-                <a:latin typeface="Consolas"/>
-              </a:rPr>
-              <a:t>cars</a:t>
-            </a:r>
-            <a:r>
-              <a:rPr lang="en-US" sz="2200" b="0" i="0" dirty="0" smtClean="0">
-                <a:solidFill>
-                  <a:srgbClr val="5F6364"/>
-                </a:solidFill>
-                <a:effectLst/>
-                <a:latin typeface="Consolas"/>
-              </a:rPr>
-              <a:t>"</a:t>
-            </a:r>
-            <a:r>
-              <a:rPr lang="en-US" sz="2200" b="0" i="0" dirty="0" smtClean="0">
-                <a:solidFill>
-                  <a:srgbClr val="C92C2C"/>
-                </a:solidFill>
-                <a:effectLst/>
-                <a:latin typeface="Consolas"/>
-              </a:rPr>
-              <a:t> 	</a:t>
-            </a:r>
-            <a:r>
-              <a:rPr lang="en-US" sz="2200" b="0" i="0" dirty="0" smtClean="0">
-                <a:solidFill>
-                  <a:srgbClr val="2F9C0A"/>
-                </a:solidFill>
-                <a:effectLst/>
-                <a:latin typeface="Consolas"/>
-              </a:rPr>
-              <a:t>[lazy]</a:t>
-            </a:r>
-            <a:r>
-              <a:rPr lang="en-US" sz="2200" b="0" i="0" dirty="0" smtClean="0">
-                <a:solidFill>
-                  <a:srgbClr val="5F6364"/>
-                </a:solidFill>
-                <a:effectLst/>
-                <a:latin typeface="Consolas"/>
-              </a:rPr>
-              <a:t>="</a:t>
-            </a:r>
-            <a:r>
-              <a:rPr lang="en-US" sz="2200" b="0" i="0" dirty="0" smtClean="0">
-                <a:solidFill>
-                  <a:srgbClr val="1990B8"/>
-                </a:solidFill>
-                <a:effectLst/>
-                <a:latin typeface="Consolas"/>
-              </a:rPr>
-              <a:t>true</a:t>
-            </a:r>
-            <a:r>
-              <a:rPr lang="en-US" sz="2200" b="0" i="0" dirty="0" smtClean="0">
-                <a:solidFill>
-                  <a:srgbClr val="5F6364"/>
-                </a:solidFill>
-                <a:effectLst/>
-                <a:latin typeface="Consolas"/>
-              </a:rPr>
-              <a:t>" 	</a:t>
-            </a:r>
-            <a:r>
-              <a:rPr lang="en-US" sz="2200" b="0" i="0" dirty="0" smtClean="0">
-                <a:solidFill>
-                  <a:srgbClr val="2F9C0A"/>
-                </a:solidFill>
-                <a:effectLst/>
-                <a:latin typeface="Consolas"/>
-              </a:rPr>
-              <a:t>(</a:t>
-            </a:r>
-            <a:r>
-              <a:rPr lang="en-US" sz="2200" b="0" i="0" dirty="0" err="1" smtClean="0">
-                <a:solidFill>
-                  <a:srgbClr val="2F9C0A"/>
-                </a:solidFill>
-                <a:effectLst/>
-                <a:latin typeface="Consolas"/>
-              </a:rPr>
-              <a:t>onLazyLoad</a:t>
-            </a:r>
-            <a:r>
-              <a:rPr lang="en-US" sz="2200" b="0" i="0" dirty="0" smtClean="0">
-                <a:solidFill>
-                  <a:srgbClr val="2F9C0A"/>
-                </a:solidFill>
-                <a:effectLst/>
-                <a:latin typeface="Consolas"/>
-              </a:rPr>
-              <a:t>)</a:t>
-            </a:r>
-            <a:r>
-              <a:rPr lang="en-US" sz="2200" b="0" i="0" dirty="0" smtClean="0">
-                <a:solidFill>
-                  <a:srgbClr val="5F6364"/>
-                </a:solidFill>
-                <a:effectLst/>
-                <a:latin typeface="Consolas"/>
-              </a:rPr>
-              <a:t>="</a:t>
-            </a:r>
-            <a:r>
-              <a:rPr lang="en-US" sz="2200" b="0" i="0" dirty="0" err="1" smtClean="0">
-                <a:solidFill>
-                  <a:srgbClr val="1990B8"/>
-                </a:solidFill>
-                <a:effectLst/>
-                <a:latin typeface="Consolas"/>
-              </a:rPr>
-              <a:t>loadCarsLazy</a:t>
-            </a:r>
-            <a:r>
-              <a:rPr lang="en-US" sz="2200" b="0" i="0" dirty="0" smtClean="0">
-                <a:solidFill>
-                  <a:srgbClr val="1990B8"/>
-                </a:solidFill>
-                <a:effectLst/>
-                <a:latin typeface="Consolas"/>
-              </a:rPr>
-              <a:t>($event)</a:t>
-            </a:r>
-            <a:r>
-              <a:rPr lang="en-US" sz="2200" b="0" i="0" dirty="0" smtClean="0">
-                <a:solidFill>
-                  <a:srgbClr val="5F6364"/>
-                </a:solidFill>
-                <a:effectLst/>
-                <a:latin typeface="Consolas"/>
-              </a:rPr>
-              <a:t>"</a:t>
-            </a:r>
-            <a:r>
-              <a:rPr lang="en-US" sz="2200" b="0" i="0" dirty="0" smtClean="0">
-                <a:solidFill>
-                  <a:srgbClr val="C92C2C"/>
-                </a:solidFill>
-                <a:effectLst/>
-                <a:latin typeface="Consolas"/>
-              </a:rPr>
-              <a:t> 	</a:t>
-            </a:r>
-            <a:r>
-              <a:rPr lang="en-US" sz="2200" b="0" i="0" dirty="0" smtClean="0">
-                <a:solidFill>
-                  <a:srgbClr val="2F9C0A"/>
-                </a:solidFill>
-                <a:effectLst/>
-                <a:latin typeface="Consolas"/>
-              </a:rPr>
-              <a:t>[</a:t>
-            </a:r>
-            <a:r>
-              <a:rPr lang="en-US" sz="2200" b="0" i="0" dirty="0" err="1" smtClean="0">
-                <a:solidFill>
-                  <a:srgbClr val="2F9C0A"/>
-                </a:solidFill>
-                <a:effectLst/>
-                <a:latin typeface="Consolas"/>
-              </a:rPr>
-              <a:t>paginator</a:t>
-            </a:r>
-            <a:r>
-              <a:rPr lang="en-US" sz="2200" b="0" i="0" dirty="0" smtClean="0">
-                <a:solidFill>
-                  <a:srgbClr val="2F9C0A"/>
-                </a:solidFill>
-                <a:effectLst/>
-                <a:latin typeface="Consolas"/>
-              </a:rPr>
-              <a:t>]</a:t>
-            </a:r>
-            <a:r>
-              <a:rPr lang="en-US" sz="2200" b="0" i="0" dirty="0" smtClean="0">
-                <a:solidFill>
-                  <a:srgbClr val="5F6364"/>
-                </a:solidFill>
-                <a:effectLst/>
-                <a:latin typeface="Consolas"/>
-              </a:rPr>
-              <a:t>="</a:t>
-            </a:r>
-            <a:r>
-              <a:rPr lang="en-US" sz="2200" b="0" i="0" dirty="0" smtClean="0">
-                <a:solidFill>
-                  <a:srgbClr val="1990B8"/>
-                </a:solidFill>
-                <a:effectLst/>
-                <a:latin typeface="Consolas"/>
-              </a:rPr>
-              <a:t>true</a:t>
-            </a:r>
-            <a:r>
-              <a:rPr lang="en-US" sz="2200" b="0" i="0" dirty="0" smtClean="0">
-                <a:solidFill>
-                  <a:srgbClr val="5F6364"/>
-                </a:solidFill>
-                <a:effectLst/>
-                <a:latin typeface="Consolas"/>
-              </a:rPr>
-              <a:t>"</a:t>
-            </a:r>
-            <a:r>
-              <a:rPr lang="en-US" sz="2200" b="0" i="0" dirty="0" smtClean="0">
-                <a:solidFill>
-                  <a:srgbClr val="C92C2C"/>
-                </a:solidFill>
-                <a:effectLst/>
-                <a:latin typeface="Consolas"/>
-              </a:rPr>
-              <a:t> </a:t>
-            </a:r>
-            <a:r>
-              <a:rPr lang="en-US" sz="2200" b="0" i="0" dirty="0" smtClean="0">
-                <a:solidFill>
-                  <a:srgbClr val="2F9C0A"/>
-                </a:solidFill>
-                <a:effectLst/>
-                <a:latin typeface="Consolas"/>
-              </a:rPr>
-              <a:t>[rows]</a:t>
-            </a:r>
-            <a:r>
-              <a:rPr lang="en-US" sz="2200" b="0" i="0" dirty="0" smtClean="0">
-                <a:solidFill>
-                  <a:srgbClr val="5F6364"/>
-                </a:solidFill>
-                <a:effectLst/>
-                <a:latin typeface="Consolas"/>
-              </a:rPr>
-              <a:t>="</a:t>
-            </a:r>
-            <a:r>
-              <a:rPr lang="en-US" sz="2200" b="0" i="0" dirty="0" smtClean="0">
-                <a:solidFill>
-                  <a:srgbClr val="1990B8"/>
-                </a:solidFill>
-                <a:effectLst/>
-                <a:latin typeface="Consolas"/>
-              </a:rPr>
-              <a:t>10</a:t>
-            </a:r>
-            <a:r>
-              <a:rPr lang="en-US" sz="2200" b="0" i="0" dirty="0" smtClean="0">
-                <a:solidFill>
-                  <a:srgbClr val="5F6364"/>
-                </a:solidFill>
-                <a:effectLst/>
-                <a:latin typeface="Consolas"/>
-              </a:rPr>
-              <a:t>"</a:t>
-            </a:r>
-            <a:r>
-              <a:rPr lang="en-US" sz="2200" b="0" i="0" dirty="0" smtClean="0">
-                <a:solidFill>
-                  <a:srgbClr val="C92C2C"/>
-                </a:solidFill>
-                <a:effectLst/>
-                <a:latin typeface="Consolas"/>
-              </a:rPr>
-              <a:t> 	</a:t>
-            </a:r>
-            <a:r>
-              <a:rPr lang="en-US" sz="2200" b="0" i="0" dirty="0" smtClean="0">
-                <a:solidFill>
-                  <a:srgbClr val="2F9C0A"/>
-                </a:solidFill>
-                <a:effectLst/>
-                <a:latin typeface="Consolas"/>
-              </a:rPr>
-              <a:t>[</a:t>
-            </a:r>
-            <a:r>
-              <a:rPr lang="en-US" sz="2200" b="0" i="0" dirty="0" err="1" smtClean="0">
-                <a:solidFill>
-                  <a:srgbClr val="2F9C0A"/>
-                </a:solidFill>
-                <a:effectLst/>
-                <a:latin typeface="Consolas"/>
-              </a:rPr>
-              <a:t>totalRecords</a:t>
-            </a:r>
-            <a:r>
-              <a:rPr lang="en-US" sz="2200" b="0" i="0" dirty="0" smtClean="0">
-                <a:solidFill>
-                  <a:srgbClr val="2F9C0A"/>
-                </a:solidFill>
-                <a:effectLst/>
-                <a:latin typeface="Consolas"/>
-              </a:rPr>
-              <a:t>]</a:t>
-            </a:r>
-            <a:r>
-              <a:rPr lang="en-US" sz="2200" b="0" i="0" dirty="0" smtClean="0">
-                <a:solidFill>
-                  <a:srgbClr val="5F6364"/>
-                </a:solidFill>
-                <a:effectLst/>
-                <a:latin typeface="Consolas"/>
-              </a:rPr>
-              <a:t>="</a:t>
-            </a:r>
-            <a:r>
-              <a:rPr lang="en-US" sz="2200" b="0" i="0" dirty="0" err="1" smtClean="0">
-                <a:solidFill>
-                  <a:srgbClr val="1990B8"/>
-                </a:solidFill>
-                <a:effectLst/>
-                <a:latin typeface="Consolas"/>
-              </a:rPr>
-              <a:t>totalRecords</a:t>
-            </a:r>
-            <a:r>
-              <a:rPr lang="en-US" sz="2200" b="0" i="0" dirty="0" smtClean="0">
-                <a:solidFill>
-                  <a:srgbClr val="5F6364"/>
-                </a:solidFill>
-                <a:effectLst/>
-                <a:latin typeface="Consolas"/>
-              </a:rPr>
-              <a:t>" 	</a:t>
-            </a:r>
-            <a:r>
-              <a:rPr lang="en-US" sz="2200" b="0" i="0" dirty="0" smtClean="0">
-                <a:solidFill>
-                  <a:srgbClr val="2F9C0A"/>
-                </a:solidFill>
-                <a:effectLst/>
-                <a:latin typeface="Consolas"/>
-              </a:rPr>
-              <a:t>[scrollable]</a:t>
-            </a:r>
-            <a:r>
-              <a:rPr lang="en-US" sz="2200" b="0" i="0" dirty="0" smtClean="0">
-                <a:solidFill>
-                  <a:srgbClr val="5F6364"/>
-                </a:solidFill>
-                <a:effectLst/>
-                <a:latin typeface="Consolas"/>
-              </a:rPr>
-              <a:t>="</a:t>
-            </a:r>
-            <a:r>
-              <a:rPr lang="en-US" sz="2200" b="0" i="0" dirty="0" smtClean="0">
-                <a:solidFill>
-                  <a:srgbClr val="1990B8"/>
-                </a:solidFill>
-                <a:effectLst/>
-                <a:latin typeface="Consolas"/>
-              </a:rPr>
-              <a:t>true</a:t>
-            </a:r>
-            <a:r>
-              <a:rPr lang="en-US" sz="2200" b="0" i="0" dirty="0" smtClean="0">
-                <a:solidFill>
-                  <a:srgbClr val="5F6364"/>
-                </a:solidFill>
-                <a:effectLst/>
-                <a:latin typeface="Consolas"/>
-              </a:rPr>
-              <a:t>"</a:t>
-            </a:r>
-            <a:r>
-              <a:rPr lang="en-US" sz="2200" b="0" i="0" dirty="0" smtClean="0">
-                <a:solidFill>
-                  <a:srgbClr val="C92C2C"/>
-                </a:solidFill>
-                <a:effectLst/>
-                <a:latin typeface="Consolas"/>
-              </a:rPr>
-              <a:t> </a:t>
-            </a:r>
-            <a:r>
-              <a:rPr lang="en-US" sz="2200" b="0" i="0" dirty="0" err="1" smtClean="0">
-                <a:solidFill>
-                  <a:srgbClr val="2F9C0A"/>
-                </a:solidFill>
-                <a:effectLst/>
-                <a:latin typeface="Consolas"/>
-              </a:rPr>
-              <a:t>scrollHeight</a:t>
-            </a:r>
-            <a:r>
-              <a:rPr lang="en-US" sz="2200" b="0" i="0" dirty="0" smtClean="0">
-                <a:solidFill>
-                  <a:srgbClr val="5F6364"/>
-                </a:solidFill>
-                <a:effectLst/>
-                <a:latin typeface="Consolas"/>
-              </a:rPr>
-              <a:t>="</a:t>
-            </a:r>
-            <a:r>
-              <a:rPr lang="en-US" sz="2200" b="0" i="0" dirty="0" smtClean="0">
-                <a:solidFill>
-                  <a:srgbClr val="1990B8"/>
-                </a:solidFill>
-                <a:effectLst/>
-                <a:latin typeface="Consolas"/>
-              </a:rPr>
-              <a:t>200px</a:t>
-            </a:r>
-            <a:r>
-              <a:rPr lang="en-US" sz="2200" b="0" i="0" dirty="0" smtClean="0">
-                <a:solidFill>
-                  <a:srgbClr val="5F6364"/>
-                </a:solidFill>
-                <a:effectLst/>
-                <a:latin typeface="Consolas"/>
-              </a:rPr>
-              <a:t>" …</a:t>
-            </a:r>
-            <a:r>
-              <a:rPr lang="en-US" sz="2200" b="0" i="0" dirty="0" err="1" smtClean="0">
-                <a:solidFill>
-                  <a:srgbClr val="5F6364"/>
-                </a:solidFill>
-                <a:effectLst/>
-                <a:latin typeface="Consolas"/>
-              </a:rPr>
-              <a:t>etc</a:t>
-            </a:r>
-            <a:endParaRPr lang="en-US" sz="2200" dirty="0" smtClean="0"/>
-          </a:p>
-        </p:txBody>
-      </p:sp>
-    </p:spTree>
-    <p:extLst>
-      <p:ext uri="{BB962C8B-B14F-4D97-AF65-F5344CB8AC3E}">
-        <p14:creationId xmlns:p14="http://schemas.microsoft.com/office/powerpoint/2010/main" val="1705695326"/>
-      </p:ext>
-    </p:extLst>
-  </p:cSld>
-  <p:clrMapOvr>
-    <a:masterClrMapping/>
-  </p:clrMapOvr>
-  <p:timing>
-    <p:tnLst>
-      <p:par>
-        <p:cTn id="1" dur="indefinite" restart="never" nodeType="tmRoot"/>
-      </p:par>
-    </p:tnLst>
-  </p:timing>
-</p:sld>
-</file>
-
-<file path=ppt/slides/slide2.xml><?xml version="1.0" encoding="utf-8"?>
-<p:sld xmlns:a="http://schemas.openxmlformats.org/drawingml/2006/main" xmlns:r="http://schemas.openxmlformats.org/officeDocument/2006/relationships" xmlns:p="http://schemas.openxmlformats.org/presentationml/2006/main">
-  <p:cSld>
-    <p:spTree>
-      <p:nvGrpSpPr>
-        <p:cNvPr id="1" name=""/>
-        <p:cNvGrpSpPr/>
-        <p:nvPr/>
-      </p:nvGrpSpPr>
-      <p:grpSpPr>
-        <a:xfrm>
-          <a:off x="0" y="0"/>
-          <a:ext cx="0" cy="0"/>
-          <a:chOff x="0" y="0"/>
-          <a:chExt cx="0" cy="0"/>
-        </a:xfrm>
-      </p:grpSpPr>
-      <p:sp>
-        <p:nvSpPr>
-          <p:cNvPr id="2" name="Title 1"/>
-          <p:cNvSpPr>
-            <a:spLocks noGrp="1"/>
-          </p:cNvSpPr>
-          <p:nvPr>
-            <p:ph type="title"/>
-          </p:nvPr>
-        </p:nvSpPr>
-        <p:spPr/>
-        <p:txBody>
-          <a:bodyPr/>
-          <a:lstStyle/>
-          <a:p>
-            <a:pPr algn="l"/>
-            <a:r>
-              <a:rPr lang="en-US" dirty="0" smtClean="0"/>
-              <a:t>why do we need a library</a:t>
-            </a:r>
-            <a:endParaRPr lang="el-GR" dirty="0"/>
-          </a:p>
-        </p:txBody>
-      </p:sp>
-      <p:sp>
-        <p:nvSpPr>
-          <p:cNvPr id="3" name="Content Placeholder 2"/>
-          <p:cNvSpPr>
-            <a:spLocks noGrp="1"/>
-          </p:cNvSpPr>
-          <p:nvPr>
-            <p:ph idx="1"/>
-          </p:nvPr>
-        </p:nvSpPr>
-        <p:spPr>
-          <a:xfrm>
-            <a:off x="457200" y="2667000"/>
-            <a:ext cx="8229600" cy="3459163"/>
-          </a:xfrm>
-        </p:spPr>
-        <p:txBody>
-          <a:bodyPr/>
-          <a:lstStyle/>
-          <a:p>
-            <a:pPr marL="0" indent="0">
-              <a:buNone/>
-            </a:pPr>
-            <a:r>
-              <a:rPr lang="en-US" dirty="0" smtClean="0"/>
-              <a:t>The quintessence of a programmer:</a:t>
-            </a:r>
-          </a:p>
-          <a:p>
-            <a:pPr marL="0" indent="0" algn="ctr">
-              <a:buNone/>
-            </a:pPr>
-            <a:r>
-              <a:rPr lang="en-US" dirty="0" smtClean="0"/>
-              <a:t>trying to be lazy</a:t>
-            </a:r>
-            <a:endParaRPr lang="el-GR" dirty="0"/>
-          </a:p>
-        </p:txBody>
-      </p:sp>
-    </p:spTree>
-    <p:extLst>
-      <p:ext uri="{BB962C8B-B14F-4D97-AF65-F5344CB8AC3E}">
-        <p14:creationId xmlns:p14="http://schemas.microsoft.com/office/powerpoint/2010/main" val="2752620815"/>
-      </p:ext>
-    </p:extLst>
-  </p:cSld>
-  <p:clrMapOvr>
-    <a:masterClrMapping/>
-  </p:clrMapOvr>
-  <p:timing>
-    <p:tnLst>
-      <p:par>
-        <p:cTn id="1" dur="indefinite" restart="never" nodeType="tmRoot"/>
-      </p:par>
-    </p:tnLst>
-  </p:timing>
-</p:sld>
-</file>
-
-<file path=ppt/slides/slide20.xml><?xml version="1.0" encoding="utf-8"?>
-<p:sld xmlns:a="http://schemas.openxmlformats.org/drawingml/2006/main" xmlns:r="http://schemas.openxmlformats.org/officeDocument/2006/relationships" xmlns:p="http://schemas.openxmlformats.org/presentationml/2006/main">
-  <p:cSld>
-    <p:spTree>
-      <p:nvGrpSpPr>
-        <p:cNvPr id="1" name=""/>
-        <p:cNvGrpSpPr/>
-        <p:nvPr/>
-      </p:nvGrpSpPr>
-      <p:grpSpPr>
-        <a:xfrm>
-          <a:off x="0" y="0"/>
-          <a:ext cx="0" cy="0"/>
-          <a:chOff x="0" y="0"/>
-          <a:chExt cx="0" cy="0"/>
-        </a:xfrm>
-      </p:grpSpPr>
-      <p:sp>
-        <p:nvSpPr>
-          <p:cNvPr id="2" name="Title 1"/>
-          <p:cNvSpPr>
-            <a:spLocks noGrp="1"/>
-          </p:cNvSpPr>
-          <p:nvPr>
-            <p:ph type="title"/>
-          </p:nvPr>
-        </p:nvSpPr>
-        <p:spPr/>
-        <p:txBody>
-          <a:bodyPr/>
-          <a:lstStyle/>
-          <a:p>
-            <a:r>
-              <a:rPr lang="en-US" dirty="0" smtClean="0"/>
-              <a:t>design – </a:t>
+              <a:t>d</a:t>
+            </a:r>
+            <a:r>
+              <a:rPr lang="en-US" dirty="0" smtClean="0"/>
+              <a:t>esign – </a:t>
             </a:r>
             <a:r>
               <a:rPr lang="en-US" b="1" dirty="0" smtClean="0"/>
@@ -5968,6 +5834,562 @@
 </p:sld>
 </file>
 
+<file path=ppt/slides/slide2.xml><?xml version="1.0" encoding="utf-8"?>
+<p:sld xmlns:a="http://schemas.openxmlformats.org/drawingml/2006/main" xmlns:r="http://schemas.openxmlformats.org/officeDocument/2006/relationships" xmlns:p="http://schemas.openxmlformats.org/presentationml/2006/main">
+  <p:cSld>
+    <p:spTree>
+      <p:nvGrpSpPr>
+        <p:cNvPr id="1" name=""/>
+        <p:cNvGrpSpPr/>
+        <p:nvPr/>
+      </p:nvGrpSpPr>
+      <p:grpSpPr>
+        <a:xfrm>
+          <a:off x="0" y="0"/>
+          <a:ext cx="0" cy="0"/>
+          <a:chOff x="0" y="0"/>
+          <a:chExt cx="0" cy="0"/>
+        </a:xfrm>
+      </p:grpSpPr>
+      <p:sp>
+        <p:nvSpPr>
+          <p:cNvPr id="2" name="Title 1"/>
+          <p:cNvSpPr>
+            <a:spLocks noGrp="1"/>
+          </p:cNvSpPr>
+          <p:nvPr>
+            <p:ph type="title"/>
+          </p:nvPr>
+        </p:nvSpPr>
+        <p:spPr/>
+        <p:txBody>
+          <a:bodyPr/>
+          <a:lstStyle/>
+          <a:p>
+            <a:pPr algn="l"/>
+            <a:r>
+              <a:rPr lang="en-US" dirty="0" smtClean="0"/>
+              <a:t>why do we need a library</a:t>
+            </a:r>
+            <a:endParaRPr lang="el-GR" dirty="0"/>
+          </a:p>
+        </p:txBody>
+      </p:sp>
+      <p:sp>
+        <p:nvSpPr>
+          <p:cNvPr id="3" name="Content Placeholder 2"/>
+          <p:cNvSpPr>
+            <a:spLocks noGrp="1"/>
+          </p:cNvSpPr>
+          <p:nvPr>
+            <p:ph idx="1"/>
+          </p:nvPr>
+        </p:nvSpPr>
+        <p:spPr>
+          <a:xfrm>
+            <a:off x="457200" y="2667000"/>
+            <a:ext cx="8229600" cy="3459163"/>
+          </a:xfrm>
+        </p:spPr>
+        <p:txBody>
+          <a:bodyPr/>
+          <a:lstStyle/>
+          <a:p>
+            <a:pPr marL="0" indent="0">
+              <a:buNone/>
+            </a:pPr>
+            <a:r>
+              <a:rPr lang="en-US" dirty="0" smtClean="0"/>
+              <a:t>The quintessence of a programmer:</a:t>
+            </a:r>
+          </a:p>
+          <a:p>
+            <a:pPr marL="0" indent="0" algn="ctr">
+              <a:buNone/>
+            </a:pPr>
+            <a:r>
+              <a:rPr lang="en-US" dirty="0" smtClean="0"/>
+              <a:t>trying to be lazy</a:t>
+            </a:r>
+            <a:endParaRPr lang="el-GR" dirty="0"/>
+          </a:p>
+        </p:txBody>
+      </p:sp>
+    </p:spTree>
+    <p:extLst>
+      <p:ext uri="{BB962C8B-B14F-4D97-AF65-F5344CB8AC3E}">
+        <p14:creationId xmlns:p14="http://schemas.microsoft.com/office/powerpoint/2010/main" val="2752620815"/>
+      </p:ext>
+    </p:extLst>
+  </p:cSld>
+  <p:clrMapOvr>
+    <a:masterClrMapping/>
+  </p:clrMapOvr>
+  <p:timing>
+    <p:tnLst>
+      <p:par>
+        <p:cTn id="1" dur="indefinite" restart="never" nodeType="tmRoot"/>
+      </p:par>
+    </p:tnLst>
+  </p:timing>
+</p:sld>
+</file>
+
+<file path=ppt/slides/slide20.xml><?xml version="1.0" encoding="utf-8"?>
+<p:sld xmlns:a="http://schemas.openxmlformats.org/drawingml/2006/main" xmlns:r="http://schemas.openxmlformats.org/officeDocument/2006/relationships" xmlns:p="http://schemas.openxmlformats.org/presentationml/2006/main">
+  <p:cSld>
+    <p:spTree>
+      <p:nvGrpSpPr>
+        <p:cNvPr id="1" name=""/>
+        <p:cNvGrpSpPr/>
+        <p:nvPr/>
+      </p:nvGrpSpPr>
+      <p:grpSpPr>
+        <a:xfrm>
+          <a:off x="0" y="0"/>
+          <a:ext cx="0" cy="0"/>
+          <a:chOff x="0" y="0"/>
+          <a:chExt cx="0" cy="0"/>
+        </a:xfrm>
+      </p:grpSpPr>
+      <p:sp>
+        <p:nvSpPr>
+          <p:cNvPr id="2" name="Title 1"/>
+          <p:cNvSpPr>
+            <a:spLocks noGrp="1"/>
+          </p:cNvSpPr>
+          <p:nvPr>
+            <p:ph type="title"/>
+          </p:nvPr>
+        </p:nvSpPr>
+        <p:spPr/>
+        <p:txBody>
+          <a:bodyPr/>
+          <a:lstStyle/>
+          <a:p>
+            <a:r>
+              <a:rPr lang="en-US" dirty="0" smtClean="0"/>
+              <a:t>d</a:t>
+            </a:r>
+            <a:r>
+              <a:rPr lang="en-US" dirty="0" smtClean="0"/>
+              <a:t>esign – </a:t>
+            </a:r>
+            <a:r>
+              <a:rPr lang="en-US" b="1" dirty="0" smtClean="0"/>
+              <a:t>develop</a:t>
+            </a:r>
+            <a:r>
+              <a:rPr lang="en-US" dirty="0" smtClean="0"/>
+              <a:t> - deploy</a:t>
+            </a:r>
+            <a:endParaRPr lang="el-GR" dirty="0"/>
+          </a:p>
+        </p:txBody>
+      </p:sp>
+      <p:sp>
+        <p:nvSpPr>
+          <p:cNvPr id="3" name="Content Placeholder 2"/>
+          <p:cNvSpPr>
+            <a:spLocks noGrp="1"/>
+          </p:cNvSpPr>
+          <p:nvPr>
+            <p:ph idx="1"/>
+          </p:nvPr>
+        </p:nvSpPr>
+        <p:spPr>
+          <a:xfrm>
+            <a:off x="457200" y="1524000"/>
+            <a:ext cx="8229600" cy="4602163"/>
+          </a:xfrm>
+        </p:spPr>
+        <p:txBody>
+          <a:bodyPr/>
+          <a:lstStyle/>
+          <a:p>
+            <a:r>
+              <a:rPr lang="en-US" dirty="0" smtClean="0"/>
+              <a:t>The component should publish events regarding its status, even if they don’t seem useful in your application</a:t>
+            </a:r>
+          </a:p>
+          <a:p>
+            <a:endParaRPr lang="en-US" dirty="0"/>
+          </a:p>
+          <a:p>
+            <a:pPr marL="0" indent="0">
+              <a:buNone/>
+            </a:pPr>
+            <a:r>
+              <a:rPr lang="en-US" sz="1800" b="0" i="0" dirty="0" smtClean="0">
+                <a:solidFill>
+                  <a:srgbClr val="24292E"/>
+                </a:solidFill>
+                <a:effectLst/>
+                <a:latin typeface="Consolas" pitchFamily="49" charset="0"/>
+              </a:rPr>
+              <a:t>@</a:t>
+            </a:r>
+            <a:r>
+              <a:rPr lang="en-US" sz="1800" b="0" i="0" dirty="0" smtClean="0">
+                <a:solidFill>
+                  <a:srgbClr val="6F42C1"/>
+                </a:solidFill>
+                <a:effectLst/>
+                <a:latin typeface="Consolas" pitchFamily="49" charset="0"/>
+              </a:rPr>
+              <a:t>Output</a:t>
+            </a:r>
+            <a:r>
+              <a:rPr lang="en-US" sz="1800" b="0" i="0" dirty="0" smtClean="0">
+                <a:solidFill>
+                  <a:srgbClr val="24292E"/>
+                </a:solidFill>
+                <a:effectLst/>
+                <a:latin typeface="Consolas" pitchFamily="49" charset="0"/>
+              </a:rPr>
+              <a:t>() </a:t>
+            </a:r>
+            <a:r>
+              <a:rPr lang="en-US" sz="1800" b="0" i="0" dirty="0" err="1" smtClean="0">
+                <a:solidFill>
+                  <a:srgbClr val="24292E"/>
+                </a:solidFill>
+                <a:effectLst/>
+                <a:latin typeface="Consolas" pitchFamily="49" charset="0"/>
+              </a:rPr>
+              <a:t>onTodayClick</a:t>
+            </a:r>
+            <a:r>
+              <a:rPr lang="en-US" sz="1800" b="0" i="0" dirty="0" smtClean="0">
+                <a:solidFill>
+                  <a:srgbClr val="D73A49"/>
+                </a:solidFill>
+                <a:effectLst/>
+                <a:latin typeface="Consolas" pitchFamily="49" charset="0"/>
+              </a:rPr>
+              <a:t>:</a:t>
+            </a:r>
+            <a:r>
+              <a:rPr lang="en-US" sz="1800" b="0" i="0" dirty="0" smtClean="0">
+                <a:solidFill>
+                  <a:srgbClr val="24292E"/>
+                </a:solidFill>
+                <a:effectLst/>
+                <a:latin typeface="Consolas" pitchFamily="49" charset="0"/>
+              </a:rPr>
+              <a:t> </a:t>
+            </a:r>
+            <a:r>
+              <a:rPr lang="en-US" sz="1800" b="0" i="0" dirty="0" err="1" smtClean="0">
+                <a:solidFill>
+                  <a:srgbClr val="6F42C1"/>
+                </a:solidFill>
+                <a:effectLst/>
+                <a:latin typeface="Consolas" pitchFamily="49" charset="0"/>
+              </a:rPr>
+              <a:t>EventEmitter</a:t>
+            </a:r>
+            <a:r>
+              <a:rPr lang="en-US" sz="1800" b="0" i="0" dirty="0" smtClean="0">
+                <a:solidFill>
+                  <a:srgbClr val="24292E"/>
+                </a:solidFill>
+                <a:effectLst/>
+                <a:latin typeface="Consolas" pitchFamily="49" charset="0"/>
+              </a:rPr>
+              <a:t>&lt;</a:t>
+            </a:r>
+            <a:r>
+              <a:rPr lang="en-US" sz="1800" b="0" i="0" dirty="0" smtClean="0">
+                <a:solidFill>
+                  <a:srgbClr val="005CC5"/>
+                </a:solidFill>
+                <a:effectLst/>
+                <a:latin typeface="Consolas" pitchFamily="49" charset="0"/>
+              </a:rPr>
+              <a:t>any</a:t>
+            </a:r>
+            <a:r>
+              <a:rPr lang="en-US" sz="1800" b="0" i="0" dirty="0" smtClean="0">
+                <a:solidFill>
+                  <a:srgbClr val="24292E"/>
+                </a:solidFill>
+                <a:effectLst/>
+                <a:latin typeface="Consolas" pitchFamily="49" charset="0"/>
+              </a:rPr>
+              <a:t>&gt; </a:t>
+            </a:r>
+            <a:r>
+              <a:rPr lang="en-US" sz="1800" b="0" i="0" dirty="0" smtClean="0">
+                <a:solidFill>
+                  <a:srgbClr val="D73A49"/>
+                </a:solidFill>
+                <a:effectLst/>
+                <a:latin typeface="Consolas" pitchFamily="49" charset="0"/>
+              </a:rPr>
+              <a:t>=</a:t>
+            </a:r>
+            <a:r>
+              <a:rPr lang="en-US" sz="1800" b="0" i="0" dirty="0" smtClean="0">
+                <a:solidFill>
+                  <a:srgbClr val="24292E"/>
+                </a:solidFill>
+                <a:effectLst/>
+                <a:latin typeface="Consolas" pitchFamily="49" charset="0"/>
+              </a:rPr>
+              <a:t> </a:t>
+            </a:r>
+            <a:r>
+              <a:rPr lang="en-US" sz="1800" b="0" i="0" dirty="0" smtClean="0">
+                <a:solidFill>
+                  <a:srgbClr val="D73A49"/>
+                </a:solidFill>
+                <a:effectLst/>
+                <a:latin typeface="Consolas" pitchFamily="49" charset="0"/>
+              </a:rPr>
+              <a:t>new</a:t>
+            </a:r>
+            <a:r>
+              <a:rPr lang="en-US" sz="1800" b="0" i="0" dirty="0" smtClean="0">
+                <a:solidFill>
+                  <a:srgbClr val="24292E"/>
+                </a:solidFill>
+                <a:effectLst/>
+                <a:latin typeface="Consolas" pitchFamily="49" charset="0"/>
+              </a:rPr>
+              <a:t> </a:t>
+            </a:r>
+            <a:r>
+              <a:rPr lang="en-US" sz="1800" b="0" i="0" dirty="0" err="1" smtClean="0">
+                <a:solidFill>
+                  <a:srgbClr val="6F42C1"/>
+                </a:solidFill>
+                <a:effectLst/>
+                <a:latin typeface="Consolas" pitchFamily="49" charset="0"/>
+              </a:rPr>
+              <a:t>EventEmitter</a:t>
+            </a:r>
+            <a:r>
+              <a:rPr lang="en-US" sz="1800" b="0" i="0" dirty="0" smtClean="0">
+                <a:solidFill>
+                  <a:srgbClr val="24292E"/>
+                </a:solidFill>
+                <a:effectLst/>
+                <a:latin typeface="Consolas" pitchFamily="49" charset="0"/>
+              </a:rPr>
+              <a:t>();</a:t>
+            </a:r>
+          </a:p>
+          <a:p>
+            <a:pPr marL="0" indent="0">
+              <a:buNone/>
+            </a:pPr>
+            <a:endParaRPr lang="en-US" sz="1800" b="0" i="0" dirty="0" smtClean="0">
+              <a:solidFill>
+                <a:srgbClr val="24292E"/>
+              </a:solidFill>
+              <a:effectLst/>
+              <a:latin typeface="Consolas" pitchFamily="49" charset="0"/>
+            </a:endParaRPr>
+          </a:p>
+          <a:p>
+            <a:pPr marL="0" indent="0">
+              <a:buNone/>
+            </a:pPr>
+            <a:r>
+              <a:rPr lang="en-US" sz="1800" b="0" i="0" dirty="0" smtClean="0">
+                <a:solidFill>
+                  <a:srgbClr val="24292E"/>
+                </a:solidFill>
+                <a:effectLst/>
+                <a:latin typeface="Consolas" pitchFamily="49" charset="0"/>
+              </a:rPr>
+              <a:t>@</a:t>
+            </a:r>
+            <a:r>
+              <a:rPr lang="en-US" sz="1800" b="0" i="0" dirty="0" smtClean="0">
+                <a:solidFill>
+                  <a:srgbClr val="6F42C1"/>
+                </a:solidFill>
+                <a:effectLst/>
+                <a:latin typeface="Consolas" pitchFamily="49" charset="0"/>
+              </a:rPr>
+              <a:t>Output</a:t>
+            </a:r>
+            <a:r>
+              <a:rPr lang="en-US" sz="1800" b="0" i="0" dirty="0" smtClean="0">
+                <a:solidFill>
+                  <a:srgbClr val="24292E"/>
+                </a:solidFill>
+                <a:effectLst/>
+                <a:latin typeface="Consolas" pitchFamily="49" charset="0"/>
+              </a:rPr>
+              <a:t>() </a:t>
+            </a:r>
+            <a:r>
+              <a:rPr lang="en-US" sz="1800" b="0" i="0" dirty="0" err="1" smtClean="0">
+                <a:solidFill>
+                  <a:srgbClr val="24292E"/>
+                </a:solidFill>
+                <a:effectLst/>
+                <a:latin typeface="Consolas" pitchFamily="49" charset="0"/>
+              </a:rPr>
+              <a:t>onMonthChange</a:t>
+            </a:r>
+            <a:r>
+              <a:rPr lang="en-US" sz="1800" b="0" i="0" dirty="0" smtClean="0">
+                <a:solidFill>
+                  <a:srgbClr val="D73A49"/>
+                </a:solidFill>
+                <a:effectLst/>
+                <a:latin typeface="Consolas" pitchFamily="49" charset="0"/>
+              </a:rPr>
+              <a:t>:</a:t>
+            </a:r>
+            <a:r>
+              <a:rPr lang="en-US" sz="1800" b="0" i="0" dirty="0" smtClean="0">
+                <a:solidFill>
+                  <a:srgbClr val="24292E"/>
+                </a:solidFill>
+                <a:effectLst/>
+                <a:latin typeface="Consolas" pitchFamily="49" charset="0"/>
+              </a:rPr>
+              <a:t> </a:t>
+            </a:r>
+            <a:r>
+              <a:rPr lang="en-US" sz="1800" b="0" i="0" dirty="0" err="1" smtClean="0">
+                <a:solidFill>
+                  <a:srgbClr val="6F42C1"/>
+                </a:solidFill>
+                <a:effectLst/>
+                <a:latin typeface="Consolas" pitchFamily="49" charset="0"/>
+              </a:rPr>
+              <a:t>EventEmitter</a:t>
+            </a:r>
+            <a:r>
+              <a:rPr lang="en-US" sz="1800" b="0" i="0" dirty="0" smtClean="0">
+                <a:solidFill>
+                  <a:srgbClr val="24292E"/>
+                </a:solidFill>
+                <a:effectLst/>
+                <a:latin typeface="Consolas" pitchFamily="49" charset="0"/>
+              </a:rPr>
+              <a:t>&lt;</a:t>
+            </a:r>
+            <a:r>
+              <a:rPr lang="en-US" sz="1800" b="0" i="0" dirty="0" smtClean="0">
+                <a:solidFill>
+                  <a:srgbClr val="005CC5"/>
+                </a:solidFill>
+                <a:effectLst/>
+                <a:latin typeface="Consolas" pitchFamily="49" charset="0"/>
+              </a:rPr>
+              <a:t>any</a:t>
+            </a:r>
+            <a:r>
+              <a:rPr lang="en-US" sz="1800" b="0" i="0" dirty="0" smtClean="0">
+                <a:solidFill>
+                  <a:srgbClr val="24292E"/>
+                </a:solidFill>
+                <a:effectLst/>
+                <a:latin typeface="Consolas" pitchFamily="49" charset="0"/>
+              </a:rPr>
+              <a:t>&gt; </a:t>
+            </a:r>
+            <a:r>
+              <a:rPr lang="en-US" sz="1800" b="0" i="0" dirty="0" smtClean="0">
+                <a:solidFill>
+                  <a:srgbClr val="D73A49"/>
+                </a:solidFill>
+                <a:effectLst/>
+                <a:latin typeface="Consolas" pitchFamily="49" charset="0"/>
+              </a:rPr>
+              <a:t>=</a:t>
+            </a:r>
+            <a:r>
+              <a:rPr lang="en-US" sz="1800" b="0" i="0" dirty="0" smtClean="0">
+                <a:solidFill>
+                  <a:srgbClr val="24292E"/>
+                </a:solidFill>
+                <a:effectLst/>
+                <a:latin typeface="Consolas" pitchFamily="49" charset="0"/>
+              </a:rPr>
+              <a:t> </a:t>
+            </a:r>
+            <a:r>
+              <a:rPr lang="en-US" sz="1800" b="0" i="0" dirty="0" smtClean="0">
+                <a:solidFill>
+                  <a:srgbClr val="D73A49"/>
+                </a:solidFill>
+                <a:effectLst/>
+                <a:latin typeface="Consolas" pitchFamily="49" charset="0"/>
+              </a:rPr>
+              <a:t>new</a:t>
+            </a:r>
+            <a:r>
+              <a:rPr lang="en-US" sz="1800" b="0" i="0" dirty="0" smtClean="0">
+                <a:solidFill>
+                  <a:srgbClr val="24292E"/>
+                </a:solidFill>
+                <a:effectLst/>
+                <a:latin typeface="Consolas" pitchFamily="49" charset="0"/>
+              </a:rPr>
+              <a:t> </a:t>
+            </a:r>
+            <a:r>
+              <a:rPr lang="en-US" sz="1800" b="0" i="0" dirty="0" err="1" smtClean="0">
+                <a:solidFill>
+                  <a:srgbClr val="6F42C1"/>
+                </a:solidFill>
+                <a:effectLst/>
+                <a:latin typeface="Consolas" pitchFamily="49" charset="0"/>
+              </a:rPr>
+              <a:t>EventEmitter</a:t>
+            </a:r>
+            <a:r>
+              <a:rPr lang="en-US" sz="1800" b="0" i="0" dirty="0" smtClean="0">
+                <a:solidFill>
+                  <a:srgbClr val="24292E"/>
+                </a:solidFill>
+                <a:effectLst/>
+                <a:latin typeface="Consolas" pitchFamily="49" charset="0"/>
+              </a:rPr>
+              <a:t>();</a:t>
+            </a:r>
+            <a:endParaRPr lang="en-US" sz="1800" dirty="0" smtClean="0">
+              <a:latin typeface="Consolas" pitchFamily="49" charset="0"/>
+            </a:endParaRPr>
+          </a:p>
+          <a:p>
+            <a:pPr marL="0" indent="0">
+              <a:buNone/>
+            </a:pPr>
+            <a:endParaRPr lang="en-US" sz="1800" dirty="0" smtClean="0">
+              <a:latin typeface="Consolas" pitchFamily="49" charset="0"/>
+            </a:endParaRPr>
+          </a:p>
+        </p:txBody>
+      </p:sp>
+    </p:spTree>
+    <p:extLst>
+      <p:ext uri="{BB962C8B-B14F-4D97-AF65-F5344CB8AC3E}">
+        <p14:creationId xmlns:p14="http://schemas.microsoft.com/office/powerpoint/2010/main" val="2860046881"/>
+      </p:ext>
+    </p:extLst>
+  </p:cSld>
+  <p:clrMapOvr>
+    <a:masterClrMapping/>
+  </p:clrMapOvr>
+  <p:timing>
+    <p:tnLst>
+      <p:par>
+        <p:cTn id="1" dur="indefinite" restart="never" nodeType="tmRoot"/>
+      </p:par>
+    </p:tnLst>
+  </p:timing>
+</p:sld>
+</file>
+
 <file path=ppt/slides/slide21.xml><?xml version="1.0" encoding="utf-8"?>
 <p:sld xmlns:a="http://schemas.openxmlformats.org/drawingml/2006/main" xmlns:r="http://schemas.openxmlformats.org/officeDocument/2006/relationships" xmlns:p="http://schemas.openxmlformats.org/presentationml/2006/main">
   <p:cSld>
@@ -6002,7 +6424,11 @@
           <a:p>
             <a:r>
               <a:rPr lang="en-US" dirty="0" smtClean="0"/>
-              <a:t>design – </a:t>
+              <a:t>d</a:t>
+            </a:r>
+            <a:r>
+              <a:rPr lang="en-US" dirty="0" smtClean="0"/>
+              <a:t>esign – </a:t>
             </a:r>
             <a:r>
               <a:rPr lang="en-US" b="1" dirty="0" smtClean="0"/>
@@ -6038,364 +6464,64 @@
           <a:p>
             <a:r>
               <a:rPr lang="en-US" dirty="0" smtClean="0"/>
-              <a:t>The component should publish events regarding its status, even if they don’t seem useful in your application</a:t>
-            </a:r>
-          </a:p>
-          <a:p>
-            <a:endParaRPr lang="en-US" dirty="0"/>
-          </a:p>
-          <a:p>
-            <a:pPr marL="0" indent="0">
-              <a:buNone/>
-            </a:pPr>
-            <a:r>
-              <a:rPr lang="en-US" sz="1800" b="0" i="0" dirty="0" smtClean="0">
-                <a:solidFill>
-                  <a:srgbClr val="24292E"/>
-                </a:solidFill>
-                <a:effectLst/>
-                <a:latin typeface="Consolas" pitchFamily="49" charset="0"/>
-              </a:rPr>
-              <a:t>@</a:t>
-            </a:r>
-            <a:r>
-              <a:rPr lang="en-US" sz="1800" b="0" i="0" dirty="0" smtClean="0">
-                <a:solidFill>
-                  <a:srgbClr val="6F42C1"/>
-                </a:solidFill>
-                <a:effectLst/>
-                <a:latin typeface="Consolas" pitchFamily="49" charset="0"/>
-              </a:rPr>
-              <a:t>Output</a:t>
-            </a:r>
-            <a:r>
-              <a:rPr lang="en-US" sz="1800" b="0" i="0" dirty="0" smtClean="0">
-                <a:solidFill>
-                  <a:srgbClr val="24292E"/>
-                </a:solidFill>
-                <a:effectLst/>
-                <a:latin typeface="Consolas" pitchFamily="49" charset="0"/>
-              </a:rPr>
-              <a:t>() </a:t>
-            </a:r>
-            <a:r>
-              <a:rPr lang="en-US" sz="1800" b="0" i="0" dirty="0" err="1" smtClean="0">
-                <a:solidFill>
-                  <a:srgbClr val="24292E"/>
-                </a:solidFill>
-                <a:effectLst/>
-                <a:latin typeface="Consolas" pitchFamily="49" charset="0"/>
-              </a:rPr>
-              <a:t>onTodayClick</a:t>
-            </a:r>
-            <a:r>
-              <a:rPr lang="en-US" sz="1800" b="0" i="0" dirty="0" smtClean="0">
-                <a:solidFill>
-                  <a:srgbClr val="D73A49"/>
-                </a:solidFill>
-                <a:effectLst/>
-                <a:latin typeface="Consolas" pitchFamily="49" charset="0"/>
-              </a:rPr>
-              <a:t>:</a:t>
-            </a:r>
-            <a:r>
-              <a:rPr lang="en-US" sz="1800" b="0" i="0" dirty="0" smtClean="0">
-                <a:solidFill>
-                  <a:srgbClr val="24292E"/>
-                </a:solidFill>
-                <a:effectLst/>
-                <a:latin typeface="Consolas" pitchFamily="49" charset="0"/>
-              </a:rPr>
-              <a:t> </a:t>
-            </a:r>
-            <a:r>
-              <a:rPr lang="en-US" sz="1800" b="0" i="0" dirty="0" err="1" smtClean="0">
-                <a:solidFill>
-                  <a:srgbClr val="6F42C1"/>
-                </a:solidFill>
-                <a:effectLst/>
-                <a:latin typeface="Consolas" pitchFamily="49" charset="0"/>
-              </a:rPr>
-              <a:t>EventEmitter</a:t>
-            </a:r>
-            <a:r>
-              <a:rPr lang="en-US" sz="1800" b="0" i="0" dirty="0" smtClean="0">
-                <a:solidFill>
-                  <a:srgbClr val="24292E"/>
-                </a:solidFill>
-                <a:effectLst/>
-                <a:latin typeface="Consolas" pitchFamily="49" charset="0"/>
-              </a:rPr>
-              <a:t>&lt;</a:t>
-            </a:r>
-            <a:r>
-              <a:rPr lang="en-US" sz="1800" b="0" i="0" dirty="0" smtClean="0">
-                <a:solidFill>
-                  <a:srgbClr val="005CC5"/>
-                </a:solidFill>
-                <a:effectLst/>
-                <a:latin typeface="Consolas" pitchFamily="49" charset="0"/>
-              </a:rPr>
-              <a:t>any</a:t>
-            </a:r>
-            <a:r>
-              <a:rPr lang="en-US" sz="1800" b="0" i="0" dirty="0" smtClean="0">
-                <a:solidFill>
-                  <a:srgbClr val="24292E"/>
-                </a:solidFill>
-                <a:effectLst/>
-                <a:latin typeface="Consolas" pitchFamily="49" charset="0"/>
-              </a:rPr>
-              <a:t>&gt; </a:t>
-            </a:r>
-            <a:r>
-              <a:rPr lang="en-US" sz="1800" b="0" i="0" dirty="0" smtClean="0">
-                <a:solidFill>
-                  <a:srgbClr val="D73A49"/>
-                </a:solidFill>
-                <a:effectLst/>
-                <a:latin typeface="Consolas" pitchFamily="49" charset="0"/>
-              </a:rPr>
-              <a:t>=</a:t>
-            </a:r>
-            <a:r>
-              <a:rPr lang="en-US" sz="1800" b="0" i="0" dirty="0" smtClean="0">
-                <a:solidFill>
-                  <a:srgbClr val="24292E"/>
-                </a:solidFill>
-                <a:effectLst/>
-                <a:latin typeface="Consolas" pitchFamily="49" charset="0"/>
-              </a:rPr>
-              <a:t> </a:t>
-            </a:r>
-            <a:r>
-              <a:rPr lang="en-US" sz="1800" b="0" i="0" dirty="0" smtClean="0">
-                <a:solidFill>
-                  <a:srgbClr val="D73A49"/>
-                </a:solidFill>
-                <a:effectLst/>
-                <a:latin typeface="Consolas" pitchFamily="49" charset="0"/>
-              </a:rPr>
-              <a:t>new</a:t>
-            </a:r>
-            <a:r>
-              <a:rPr lang="en-US" sz="1800" b="0" i="0" dirty="0" smtClean="0">
-                <a:solidFill>
-                  <a:srgbClr val="24292E"/>
-                </a:solidFill>
-                <a:effectLst/>
-                <a:latin typeface="Consolas" pitchFamily="49" charset="0"/>
-              </a:rPr>
-              <a:t> </a:t>
-            </a:r>
-            <a:r>
-              <a:rPr lang="en-US" sz="1800" b="0" i="0" dirty="0" err="1" smtClean="0">
-                <a:solidFill>
-                  <a:srgbClr val="6F42C1"/>
-                </a:solidFill>
-                <a:effectLst/>
-                <a:latin typeface="Consolas" pitchFamily="49" charset="0"/>
-              </a:rPr>
-              <a:t>EventEmitter</a:t>
-            </a:r>
-            <a:r>
-              <a:rPr lang="en-US" sz="1800" b="0" i="0" dirty="0" smtClean="0">
-                <a:solidFill>
-                  <a:srgbClr val="24292E"/>
-                </a:solidFill>
-                <a:effectLst/>
-                <a:latin typeface="Consolas" pitchFamily="49" charset="0"/>
-              </a:rPr>
-              <a:t>();</a:t>
-            </a:r>
-          </a:p>
-          <a:p>
-            <a:pPr marL="0" indent="0">
-              <a:buNone/>
-            </a:pPr>
-            <a:endParaRPr lang="en-US" sz="1800" b="0" i="0" dirty="0" smtClean="0">
-              <a:solidFill>
-                <a:srgbClr val="24292E"/>
-              </a:solidFill>
-              <a:effectLst/>
-              <a:latin typeface="Consolas" pitchFamily="49" charset="0"/>
-            </a:endParaRPr>
-          </a:p>
-          <a:p>
-            <a:pPr marL="0" indent="0">
-              <a:buNone/>
-            </a:pPr>
-            <a:r>
-              <a:rPr lang="en-US" sz="1800" b="0" i="0" dirty="0" smtClean="0">
-                <a:solidFill>
-                  <a:srgbClr val="24292E"/>
-                </a:solidFill>
-                <a:effectLst/>
-                <a:latin typeface="Consolas" pitchFamily="49" charset="0"/>
-              </a:rPr>
-              <a:t>@</a:t>
-            </a:r>
-            <a:r>
-              <a:rPr lang="en-US" sz="1800" b="0" i="0" dirty="0" smtClean="0">
-                <a:solidFill>
-                  <a:srgbClr val="6F42C1"/>
-                </a:solidFill>
-                <a:effectLst/>
-                <a:latin typeface="Consolas" pitchFamily="49" charset="0"/>
-              </a:rPr>
-              <a:t>Output</a:t>
-            </a:r>
-            <a:r>
-              <a:rPr lang="en-US" sz="1800" b="0" i="0" dirty="0" smtClean="0">
-                <a:solidFill>
-                  <a:srgbClr val="24292E"/>
-                </a:solidFill>
-                <a:effectLst/>
-                <a:latin typeface="Consolas" pitchFamily="49" charset="0"/>
-              </a:rPr>
-              <a:t>() </a:t>
-            </a:r>
-            <a:r>
-              <a:rPr lang="en-US" sz="1800" b="0" i="0" dirty="0" err="1" smtClean="0">
-                <a:solidFill>
-                  <a:srgbClr val="24292E"/>
-                </a:solidFill>
-                <a:effectLst/>
-                <a:latin typeface="Consolas" pitchFamily="49" charset="0"/>
-              </a:rPr>
-              <a:t>onMonthChange</a:t>
-            </a:r>
-            <a:r>
-              <a:rPr lang="en-US" sz="1800" b="0" i="0" dirty="0" smtClean="0">
-                <a:solidFill>
-                  <a:srgbClr val="D73A49"/>
-                </a:solidFill>
-                <a:effectLst/>
-                <a:latin typeface="Consolas" pitchFamily="49" charset="0"/>
-              </a:rPr>
-              <a:t>:</a:t>
-            </a:r>
-            <a:r>
-              <a:rPr lang="en-US" sz="1800" b="0" i="0" dirty="0" smtClean="0">
-                <a:solidFill>
-                  <a:srgbClr val="24292E"/>
-                </a:solidFill>
-                <a:effectLst/>
-                <a:latin typeface="Consolas" pitchFamily="49" charset="0"/>
-              </a:rPr>
-              <a:t> </a:t>
-            </a:r>
-            <a:r>
-              <a:rPr lang="en-US" sz="1800" b="0" i="0" dirty="0" err="1" smtClean="0">
-                <a:solidFill>
-                  <a:srgbClr val="6F42C1"/>
-                </a:solidFill>
-                <a:effectLst/>
-                <a:latin typeface="Consolas" pitchFamily="49" charset="0"/>
-              </a:rPr>
-              <a:t>EventEmitter</a:t>
-            </a:r>
-            <a:r>
-              <a:rPr lang="en-US" sz="1800" b="0" i="0" dirty="0" smtClean="0">
-                <a:solidFill>
-                  <a:srgbClr val="24292E"/>
-                </a:solidFill>
-                <a:effectLst/>
-                <a:latin typeface="Consolas" pitchFamily="49" charset="0"/>
-              </a:rPr>
-              <a:t>&lt;</a:t>
-            </a:r>
-            <a:r>
-              <a:rPr lang="en-US" sz="1800" b="0" i="0" dirty="0" smtClean="0">
-                <a:solidFill>
-                  <a:srgbClr val="005CC5"/>
-                </a:solidFill>
-                <a:effectLst/>
-                <a:latin typeface="Consolas" pitchFamily="49" charset="0"/>
-              </a:rPr>
-              <a:t>any</a:t>
-            </a:r>
-            <a:r>
-              <a:rPr lang="en-US" sz="1800" b="0" i="0" dirty="0" smtClean="0">
-                <a:solidFill>
-                  <a:srgbClr val="24292E"/>
-                </a:solidFill>
-                <a:effectLst/>
-                <a:latin typeface="Consolas" pitchFamily="49" charset="0"/>
-              </a:rPr>
-              <a:t>&gt; </a:t>
-            </a:r>
-            <a:r>
-              <a:rPr lang="en-US" sz="1800" b="0" i="0" dirty="0" smtClean="0">
-                <a:solidFill>
-                  <a:srgbClr val="D73A49"/>
-                </a:solidFill>
-                <a:effectLst/>
-                <a:latin typeface="Consolas" pitchFamily="49" charset="0"/>
-              </a:rPr>
-              <a:t>=</a:t>
-            </a:r>
-            <a:r>
-              <a:rPr lang="en-US" sz="1800" b="0" i="0" dirty="0" smtClean="0">
-                <a:solidFill>
-                  <a:srgbClr val="24292E"/>
-                </a:solidFill>
-                <a:effectLst/>
-                <a:latin typeface="Consolas" pitchFamily="49" charset="0"/>
-              </a:rPr>
-              <a:t> </a:t>
-            </a:r>
-            <a:r>
-              <a:rPr lang="en-US" sz="1800" b="0" i="0" dirty="0" smtClean="0">
-                <a:solidFill>
-                  <a:srgbClr val="D73A49"/>
-                </a:solidFill>
-                <a:effectLst/>
-                <a:latin typeface="Consolas" pitchFamily="49" charset="0"/>
-              </a:rPr>
-              <a:t>new</a:t>
-            </a:r>
-            <a:r>
-              <a:rPr lang="en-US" sz="1800" b="0" i="0" dirty="0" smtClean="0">
-                <a:solidFill>
-                  <a:srgbClr val="24292E"/>
-                </a:solidFill>
-                <a:effectLst/>
-                <a:latin typeface="Consolas" pitchFamily="49" charset="0"/>
-              </a:rPr>
-              <a:t> </a:t>
-            </a:r>
-            <a:r>
-              <a:rPr lang="en-US" sz="1800" b="0" i="0" dirty="0" err="1" smtClean="0">
-                <a:solidFill>
-                  <a:srgbClr val="6F42C1"/>
-                </a:solidFill>
-                <a:effectLst/>
-                <a:latin typeface="Consolas" pitchFamily="49" charset="0"/>
-              </a:rPr>
-              <a:t>EventEmitter</a:t>
-            </a:r>
-            <a:r>
-              <a:rPr lang="en-US" sz="1800" b="0" i="0" dirty="0" smtClean="0">
-                <a:solidFill>
-                  <a:srgbClr val="24292E"/>
-                </a:solidFill>
-                <a:effectLst/>
-                <a:latin typeface="Consolas" pitchFamily="49" charset="0"/>
-              </a:rPr>
-              <a:t>();</a:t>
-            </a:r>
-            <a:endParaRPr lang="en-US" sz="1800" dirty="0" smtClean="0">
-              <a:latin typeface="Consolas" pitchFamily="49" charset="0"/>
-            </a:endParaRPr>
-          </a:p>
-          <a:p>
-            <a:pPr marL="0" indent="0">
-              <a:buNone/>
-            </a:pPr>
-            <a:endParaRPr lang="en-US" sz="1800" dirty="0" smtClean="0">
-              <a:latin typeface="Consolas" pitchFamily="49" charset="0"/>
-            </a:endParaRPr>
+              <a:t>Force maintainability:</a:t>
+            </a:r>
+          </a:p>
+          <a:p>
+            <a:pPr lvl="1"/>
+            <a:r>
+              <a:rPr lang="en-US" dirty="0" err="1"/>
+              <a:t>C</a:t>
+            </a:r>
+            <a:r>
+              <a:rPr lang="en-US" dirty="0" err="1" smtClean="0"/>
+              <a:t>ompodoc</a:t>
+            </a:r>
+            <a:r>
+              <a:rPr lang="en-US" dirty="0" smtClean="0"/>
+              <a:t> with big % code coverage</a:t>
+            </a:r>
+          </a:p>
+          <a:p>
+            <a:pPr lvl="1"/>
+            <a:r>
+              <a:rPr lang="en-US" dirty="0"/>
+              <a:t>L</a:t>
+            </a:r>
+            <a:r>
+              <a:rPr lang="en-US" dirty="0" smtClean="0"/>
+              <a:t>inter with commit hook</a:t>
+            </a:r>
+          </a:p>
+          <a:p>
+            <a:pPr lvl="1"/>
+            <a:r>
+              <a:rPr lang="en-US" dirty="0"/>
+              <a:t>U</a:t>
+            </a:r>
+            <a:r>
+              <a:rPr lang="en-US" dirty="0" smtClean="0"/>
+              <a:t>nit testing in all components</a:t>
+            </a:r>
+          </a:p>
+          <a:p>
+            <a:pPr lvl="2"/>
+            <a:r>
+              <a:rPr lang="en-US" dirty="0" err="1" smtClean="0"/>
+              <a:t>calendar.spec.ts</a:t>
+            </a:r>
+            <a:endParaRPr lang="en-US" dirty="0" smtClean="0"/>
+          </a:p>
+          <a:p>
+            <a:pPr lvl="1"/>
+            <a:r>
+              <a:rPr lang="en-US" dirty="0"/>
+              <a:t>D</a:t>
+            </a:r>
+            <a:r>
+              <a:rPr lang="en-US" dirty="0" smtClean="0"/>
+              <a:t>esignate someone responsible for pull requests in the library</a:t>
+            </a:r>
           </a:p>
         </p:txBody>
       </p:sp>
@@ -6453,17 +6579,17 @@
           <a:p>
             <a:r>
               <a:rPr lang="en-US" dirty="0" smtClean="0"/>
-              <a:t>design – </a:t>
+              <a:t>d</a:t>
+            </a:r>
+            <a:r>
+              <a:rPr lang="en-US" dirty="0" smtClean="0"/>
+              <a:t>esign – develop - </a:t>
             </a:r>
             <a:r>
               <a:rPr lang="en-US" b="1" dirty="0" smtClean="0"/>
-              <a:t>develop</a:t>
-            </a:r>
-            <a:r>
-              <a:rPr lang="en-US" dirty="0" smtClean="0"/>
-              <a:t> - deploy</a:t>
-            </a:r>
-            <a:endParaRPr lang="el-GR" dirty="0"/>
+              <a:t>deploy</a:t>
+            </a:r>
+            <a:endParaRPr lang="el-GR" b="1" dirty="0"/>
           </a:p>
         </p:txBody>
       </p:sp>
@@ -6479,73 +6605,20 @@
         </p:nvSpPr>
         <p:spPr>
           <a:xfrm>
-            <a:off x="457200" y="1524000"/>
-            <a:ext cx="8229600" cy="4602163"/>
+            <a:off x="457200" y="3048000"/>
+            <a:ext cx="8229600" cy="3078163"/>
           </a:xfrm>
         </p:spPr>
         <p:txBody>
           <a:bodyPr/>
           <a:lstStyle/>
           <a:p>
-            <a:r>
-              <a:rPr lang="en-US" dirty="0" smtClean="0"/>
-              <a:t>Force maintainability:</a:t>
-            </a:r>
-          </a:p>
-          <a:p>
-            <a:pPr lvl="1"/>
-            <a:r>
-              <a:rPr lang="en-US" dirty="0" err="1"/>
-              <a:t>C</a:t>
-            </a:r>
-            <a:r>
-              <a:rPr lang="en-US" dirty="0" err="1" smtClean="0"/>
-              <a:t>ompodoc</a:t>
-            </a:r>
-            <a:r>
-              <a:rPr lang="en-US" dirty="0" smtClean="0"/>
-              <a:t> with big % code coverage</a:t>
-            </a:r>
-          </a:p>
-          <a:p>
-            <a:pPr lvl="1"/>
-            <a:r>
-              <a:rPr lang="en-US" dirty="0"/>
-              <a:t>L</a:t>
-            </a:r>
-            <a:r>
-              <a:rPr lang="en-US" dirty="0" smtClean="0"/>
-              <a:t>inter with commit hook</a:t>
-            </a:r>
-          </a:p>
-          <a:p>
-            <a:pPr lvl="1"/>
-            <a:r>
-              <a:rPr lang="en-US" dirty="0"/>
-              <a:t>U</a:t>
-            </a:r>
-            <a:r>
-              <a:rPr lang="en-US" dirty="0" smtClean="0"/>
-              <a:t>nit testing in all components</a:t>
-            </a:r>
-          </a:p>
-          <a:p>
-            <a:pPr lvl="2"/>
-            <a:r>
-              <a:rPr lang="en-US" dirty="0" err="1" smtClean="0"/>
-              <a:t>calendar.spec.ts</a:t>
-            </a:r>
-            <a:endParaRPr lang="en-US" dirty="0" smtClean="0"/>
-          </a:p>
-          <a:p>
-            <a:pPr lvl="1"/>
-            <a:r>
-              <a:rPr lang="en-US" dirty="0"/>
-              <a:t>D</a:t>
-            </a:r>
-            <a:r>
-              <a:rPr lang="en-US" dirty="0" smtClean="0"/>
-              <a:t>esignate someone responsible for pull requests in the library</a:t>
+            <a:pPr marL="457200" lvl="1" indent="0" algn="ctr">
+              <a:buNone/>
+            </a:pPr>
+            <a:r>
+              <a:rPr lang="en-US" dirty="0" smtClean="0"/>
+              <a:t>Main goal is developing and deploying the library in parallel with your work</a:t>
             </a:r>
           </a:p>
         </p:txBody>
@@ -6604,7 +6677,11 @@
           <a:p>
             <a:r>
               <a:rPr lang="en-US" dirty="0" smtClean="0"/>
-              <a:t>design – develop - </a:t>
+              <a:t>d</a:t>
+            </a:r>
+            <a:r>
+              <a:rPr lang="en-US" dirty="0" smtClean="0"/>
+              <a:t>esign – develop - </a:t>
             </a:r>
             <a:r>
               <a:rPr lang="en-US" b="1" dirty="0" smtClean="0"/>
@@ -6626,20 +6703,17 @@
         </p:nvSpPr>
         <p:spPr>
           <a:xfrm>
-            <a:off x="457200" y="3048000"/>
-            <a:ext cx="8229600" cy="3078163"/>
+            <a:off x="457200" y="1524000"/>
+            <a:ext cx="8229600" cy="4602163"/>
           </a:xfrm>
         </p:spPr>
         <p:txBody>
           <a:bodyPr/>
           <a:lstStyle/>
           <a:p>
-            <a:pPr marL="457200" lvl="1" indent="0" algn="ctr">
-              <a:buNone/>
-            </a:pPr>
-            <a:r>
-              <a:rPr lang="en-US" dirty="0" smtClean="0"/>
-              <a:t>Main goal is developing and deploying the library in parallel with your work</a:t>
+            <a:r>
+              <a:rPr lang="en-US" dirty="0" smtClean="0"/>
+              <a:t>step 0: make sure that your build and delivery process can support a common library</a:t>
             </a:r>
           </a:p>
         </p:txBody>
@@ -6647,7 +6721,7 @@
     </p:spTree>
     <p:extLst>
       <p:ext uri="{BB962C8B-B14F-4D97-AF65-F5344CB8AC3E}">
-        <p14:creationId xmlns:p14="http://schemas.microsoft.com/office/powerpoint/2010/main" val="2860046881"/>
+        <p14:creationId xmlns:p14="http://schemas.microsoft.com/office/powerpoint/2010/main" val="1066102820"/>
       </p:ext>
     </p:extLst>
   </p:cSld>
@@ -6698,7 +6772,11 @@
           <a:p>
             <a:r>
               <a:rPr lang="en-US" dirty="0" smtClean="0"/>
-              <a:t>design – develop - </a:t>
+              <a:t>d</a:t>
+            </a:r>
+            <a:r>
+              <a:rPr lang="en-US" dirty="0" smtClean="0"/>
+              <a:t>esign – develop - </a:t>
             </a:r>
             <a:r>
               <a:rPr lang="en-US" b="1" dirty="0" smtClean="0"/>
@@ -6725,12 +6803,78 @@
           </a:xfrm>
         </p:spPr>
         <p:txBody>
-          <a:bodyPr/>
+          <a:bodyPr>
+            <a:normAutofit/>
+          </a:bodyPr>
           <a:lstStyle/>
           <a:p>
             <a:r>
               <a:rPr lang="en-US" dirty="0" smtClean="0"/>
               <a:t>step 0: make sure that your build and delivery process can support a common library</a:t>
+            </a:r>
+          </a:p>
+          <a:p>
+            <a:pPr lvl="1"/>
+            <a:r>
+              <a:rPr lang="en-US" dirty="0" smtClean="0"/>
+              <a:t>where the code will be published?</a:t>
+            </a:r>
+          </a:p>
+          <a:p>
+            <a:pPr lvl="2"/>
+            <a:r>
+              <a:rPr lang="en-US" dirty="0" smtClean="0"/>
+              <a:t>Does your company has a private </a:t>
+            </a:r>
+            <a:r>
+              <a:rPr lang="en-US" dirty="0" err="1" smtClean="0"/>
+              <a:t>npm</a:t>
+            </a:r>
+            <a:r>
+              <a:rPr lang="en-US" dirty="0" smtClean="0"/>
+              <a:t> repo</a:t>
+            </a:r>
+          </a:p>
+          <a:p>
+            <a:pPr lvl="2"/>
+            <a:r>
+              <a:rPr lang="en-US" dirty="0" err="1" smtClean="0"/>
+              <a:t>Jfrog</a:t>
+            </a:r>
+            <a:r>
+              <a:rPr lang="en-US" dirty="0" smtClean="0"/>
+              <a:t> / Yarn / GIT</a:t>
+            </a:r>
+          </a:p>
+          <a:p>
+            <a:pPr lvl="2"/>
+            <a:r>
+              <a:rPr lang="en-US" dirty="0" smtClean="0"/>
+              <a:t>Make it </a:t>
+            </a:r>
+            <a:r>
+              <a:rPr lang="en-US" dirty="0" err="1" smtClean="0"/>
+              <a:t>opensource</a:t>
+            </a:r>
+            <a:endParaRPr lang="en-US" dirty="0" smtClean="0"/>
+          </a:p>
+          <a:p>
+            <a:pPr lvl="2"/>
+            <a:r>
+              <a:rPr lang="en-US" dirty="0" err="1" smtClean="0"/>
+              <a:t>npm</a:t>
+            </a:r>
+            <a:r>
+              <a:rPr lang="en-US" dirty="0" smtClean="0"/>
+              <a:t> pack to .</a:t>
+            </a:r>
+            <a:r>
+              <a:rPr lang="en-US" dirty="0" err="1" smtClean="0"/>
+              <a:t>tgz</a:t>
+            </a:r>
+            <a:r>
+              <a:rPr lang="en-US" dirty="0" smtClean="0"/>
+              <a:t> and distribute locally</a:t>
             </a:r>
           </a:p>
         </p:txBody>
@@ -6738,7 +6882,7 @@
     </p:spTree>
     <p:extLst>
       <p:ext uri="{BB962C8B-B14F-4D97-AF65-F5344CB8AC3E}">
-        <p14:creationId xmlns:p14="http://schemas.microsoft.com/office/powerpoint/2010/main" val="1066102820"/>
+        <p14:creationId xmlns:p14="http://schemas.microsoft.com/office/powerpoint/2010/main" val="2504466136"/>
       </p:ext>
     </p:extLst>
   </p:cSld>
@@ -6789,7 +6933,11 @@
           <a:p>
             <a:r>
               <a:rPr lang="en-US" dirty="0" smtClean="0"/>
-              <a:t>design – develop - </a:t>
+              <a:t>d</a:t>
+            </a:r>
+            <a:r>
+              <a:rPr lang="en-US" dirty="0" smtClean="0"/>
+              <a:t>esign – develop - </a:t>
             </a:r>
             <a:r>
               <a:rPr lang="en-US" b="1" dirty="0" smtClean="0"/>
@@ -6816,9 +6964,7 @@
           </a:xfrm>
         </p:spPr>
         <p:txBody>
-          <a:bodyPr>
-            <a:normAutofit/>
-          </a:bodyPr>
+          <a:bodyPr/>
           <a:lstStyle/>
           <a:p>
             <a:r>
@@ -6829,65 +6975,23 @@
           <a:p>
             <a:pPr lvl="1"/>
             <a:r>
-              <a:rPr lang="en-US" dirty="0" smtClean="0"/>
-              <a:t>where the code will be published?</a:t>
-            </a:r>
-          </a:p>
-          <a:p>
-            <a:pPr lvl="2"/>
-            <a:r>
-              <a:rPr lang="en-US" dirty="0" smtClean="0"/>
-              <a:t>Does your company has a private </a:t>
-            </a:r>
-            <a:r>
-              <a:rPr lang="en-US" dirty="0" err="1" smtClean="0"/>
-              <a:t>npm</a:t>
-            </a:r>
-            <a:r>
-              <a:rPr lang="en-US" dirty="0" smtClean="0"/>
-              <a:t> repo</a:t>
-            </a:r>
-          </a:p>
-          <a:p>
-            <a:pPr lvl="2"/>
-            <a:r>
-              <a:rPr lang="en-US" dirty="0" err="1" smtClean="0"/>
-              <a:t>Jfrog</a:t>
-            </a:r>
-            <a:r>
-              <a:rPr lang="en-US" dirty="0" smtClean="0"/>
-              <a:t> / Yarn / GIT</a:t>
-            </a:r>
-          </a:p>
-          <a:p>
-            <a:pPr lvl="2"/>
-            <a:r>
-              <a:rPr lang="en-US" dirty="0" smtClean="0"/>
-              <a:t>Make it </a:t>
-            </a:r>
-            <a:r>
-              <a:rPr lang="en-US" dirty="0" err="1" smtClean="0"/>
-              <a:t>opensource</a:t>
-            </a:r>
-            <a:endParaRPr lang="en-US" dirty="0" smtClean="0"/>
-          </a:p>
-          <a:p>
-            <a:pPr lvl="2"/>
-            <a:r>
-              <a:rPr lang="en-US" dirty="0" err="1" smtClean="0"/>
-              <a:t>npm</a:t>
-            </a:r>
-            <a:r>
-              <a:rPr lang="en-US" dirty="0" smtClean="0"/>
-              <a:t> pack to .</a:t>
-            </a:r>
-            <a:r>
-              <a:rPr lang="en-US" dirty="0" err="1" smtClean="0"/>
-              <a:t>tgz</a:t>
-            </a:r>
-            <a:r>
-              <a:rPr lang="en-US" dirty="0" smtClean="0"/>
-              <a:t> and distribute locally</a:t>
+              <a:rPr lang="en-US" dirty="0"/>
+              <a:t>D</a:t>
+            </a:r>
+            <a:r>
+              <a:rPr lang="en-US" dirty="0" smtClean="0"/>
+              <a:t>o you deliver the source code to the customer? If so how it is planned to deliver the common library code</a:t>
+            </a:r>
+          </a:p>
+          <a:p>
+            <a:pPr lvl="1"/>
+            <a:r>
+              <a:rPr lang="en-US" dirty="0"/>
+              <a:t>I</a:t>
+            </a:r>
+            <a:r>
+              <a:rPr lang="en-US" dirty="0" smtClean="0"/>
+              <a:t>s there an automated build (for ex. Jenkins) that requires access to the common library?</a:t>
             </a:r>
           </a:p>
         </p:txBody>
@@ -6946,7 +7050,11 @@
           <a:p>
             <a:r>
               <a:rPr lang="en-US" dirty="0" smtClean="0"/>
-              <a:t>design – develop - </a:t>
+              <a:t>d</a:t>
+            </a:r>
+            <a:r>
+              <a:rPr lang="en-US" dirty="0" smtClean="0"/>
+              <a:t>esign – develop - </a:t>
             </a:r>
             <a:r>
               <a:rPr lang="en-US" b="1" dirty="0" smtClean="0"/>
@@ -6982,25 +7090,20 @@
             </a:r>
           </a:p>
           <a:p>
-            <a:pPr lvl="1"/>
-            <a:r>
-              <a:rPr lang="en-US" dirty="0"/>
-              <a:t>D</a:t>
-            </a:r>
-            <a:r>
-              <a:rPr lang="en-US" dirty="0" smtClean="0"/>
-              <a:t>o you deliver the source code to the customer? If so how it is planned to deliver the common library code</a:t>
-            </a:r>
-          </a:p>
-          <a:p>
-            <a:pPr lvl="1"/>
-            <a:r>
-              <a:rPr lang="en-US" dirty="0"/>
-              <a:t>I</a:t>
-            </a:r>
-            <a:r>
-              <a:rPr lang="en-US" dirty="0" smtClean="0"/>
-              <a:t>s there an automated build (for ex. Jenkins) that requires access to the common library?</a:t>
+            <a:endParaRPr lang="en-US" dirty="0"/>
+          </a:p>
+          <a:p>
+            <a:r>
+              <a:rPr lang="en-US" dirty="0" smtClean="0"/>
+              <a:t>Push for this step 0 to happen! Besides the advantages of a </a:t>
+            </a:r>
+            <a:r>
+              <a:rPr lang="en-US" dirty="0" smtClean="0"/>
+              <a:t>common angular library, u</a:t>
+            </a:r>
+            <a:r>
+              <a:rPr lang="en-US" dirty="0" smtClean="0"/>
+              <a:t>nblocking the use of it will streamline other processes in your organization as well</a:t>
             </a:r>
           </a:p>
         </p:txBody>
@@ -7059,107 +7162,11 @@
           <a:p>
             <a:r>
               <a:rPr lang="en-US" dirty="0" smtClean="0"/>
-              <a:t>design – develop - </a:t>
-            </a:r>
-            <a:r>
-              <a:rPr lang="en-US" b="1" dirty="0" smtClean="0"/>
-              <a:t>deploy</a:t>
-            </a:r>
-            <a:endParaRPr lang="el-GR" b="1" dirty="0"/>
-          </a:p>
-        </p:txBody>
-      </p:sp>
-      <p:sp>
-        <p:nvSpPr>
-          <p:cNvPr id="3" name="Content Placeholder 2"/>
-          <p:cNvSpPr>
-            <a:spLocks noGrp="1"/>
-          </p:cNvSpPr>
-          <p:nvPr>
-            <p:ph idx="1"/>
-          </p:nvPr>
-        </p:nvSpPr>
-        <p:spPr>
-          <a:xfrm>
-            <a:off x="457200" y="1524000"/>
-            <a:ext cx="8229600" cy="4602163"/>
-          </a:xfrm>
-        </p:spPr>
-        <p:txBody>
-          <a:bodyPr/>
-          <a:lstStyle/>
-          <a:p>
-            <a:r>
-              <a:rPr lang="en-US" dirty="0" smtClean="0"/>
-              <a:t>step 0: make sure that your build and delivery process can support a common library</a:t>
-            </a:r>
-          </a:p>
-          <a:p>
-            <a:endParaRPr lang="en-US" dirty="0"/>
-          </a:p>
-          <a:p>
-            <a:r>
-              <a:rPr lang="en-US" dirty="0" smtClean="0"/>
-              <a:t>Push for this step 0 to happen! Besides the advantages of a common angular library, unblocking the use of it will streamline other processes in your organization as well</a:t>
-            </a:r>
-          </a:p>
-        </p:txBody>
-      </p:sp>
-    </p:spTree>
-    <p:extLst>
-      <p:ext uri="{BB962C8B-B14F-4D97-AF65-F5344CB8AC3E}">
-        <p14:creationId xmlns:p14="http://schemas.microsoft.com/office/powerpoint/2010/main" val="2504466136"/>
-      </p:ext>
-    </p:extLst>
-  </p:cSld>
-  <p:clrMapOvr>
-    <a:masterClrMapping/>
-  </p:clrMapOvr>
-  <p:timing>
-    <p:tnLst>
-      <p:par>
-        <p:cTn id="1" dur="indefinite" restart="never" nodeType="tmRoot"/>
-      </p:par>
-    </p:tnLst>
-  </p:timing>
-</p:sld>
-</file>
-
-<file path=ppt/slides/slide28.xml><?xml version="1.0" encoding="utf-8"?>
-<p:sld xmlns:a="http://schemas.openxmlformats.org/drawingml/2006/main" xmlns:r="http://schemas.openxmlformats.org/officeDocument/2006/relationships" xmlns:p="http://schemas.openxmlformats.org/presentationml/2006/main">
-  <p:cSld>
-    <p:spTree>
-      <p:nvGrpSpPr>
-        <p:cNvPr id="1" name=""/>
-        <p:cNvGrpSpPr/>
-        <p:nvPr/>
-      </p:nvGrpSpPr>
-      <p:grpSpPr>
-        <a:xfrm>
-          <a:off x="0" y="0"/>
-          <a:ext cx="0" cy="0"/>
-          <a:chOff x="0" y="0"/>
-          <a:chExt cx="0" cy="0"/>
-        </a:xfrm>
-      </p:grpSpPr>
-      <p:sp>
-        <p:nvSpPr>
-          <p:cNvPr id="2" name="Title 1"/>
-          <p:cNvSpPr>
-            <a:spLocks noGrp="1"/>
-          </p:cNvSpPr>
-          <p:nvPr>
-            <p:ph type="title"/>
-          </p:nvPr>
-        </p:nvSpPr>
-        <p:spPr/>
-        <p:txBody>
-          <a:bodyPr/>
-          <a:lstStyle/>
-          <a:p>
-            <a:r>
-              <a:rPr lang="en-US" dirty="0" smtClean="0"/>
-              <a:t>design – develop - </a:t>
+              <a:t>d</a:t>
+            </a:r>
+            <a:r>
+              <a:rPr lang="en-US" dirty="0" smtClean="0"/>
+              <a:t>esign – develop - </a:t>
             </a:r>
             <a:r>
               <a:rPr lang="en-US" b="1" dirty="0" smtClean="0"/>
@@ -7521,7 +7528,7 @@
 </p:sld>
 </file>
 
-<file path=ppt/slides/slide29.xml><?xml version="1.0" encoding="utf-8"?>
+<file path=ppt/slides/slide28.xml><?xml version="1.0" encoding="utf-8"?>
 <p:sld xmlns:a="http://schemas.openxmlformats.org/drawingml/2006/main" xmlns:r="http://schemas.openxmlformats.org/officeDocument/2006/relationships" xmlns:p="http://schemas.openxmlformats.org/presentationml/2006/main">
   <p:cSld>
     <p:spTree>
@@ -7555,7 +7562,11 @@
           <a:p>
             <a:r>
               <a:rPr lang="en-US" dirty="0" smtClean="0"/>
-              <a:t>design – develop - </a:t>
+              <a:t>d</a:t>
+            </a:r>
+            <a:r>
+              <a:rPr lang="en-US" dirty="0" smtClean="0"/>
+              <a:t>esign – develop - </a:t>
             </a:r>
             <a:r>
               <a:rPr lang="en-US" b="1" dirty="0" smtClean="0"/>
@@ -7599,7 +7610,15 @@
             </a:pPr>
             <a:r>
               <a:rPr lang="en-US" dirty="0" smtClean="0"/>
-              <a:t>6. Start using the library in the smallest / lowest risk application (Replace all components/services/pipes etc. from your application with the library ones)</a:t>
+              <a:t>6. Start using the library in the smallest / lowest risk application (</a:t>
+            </a:r>
+            <a:r>
+              <a:rPr lang="en-US" dirty="0" smtClean="0"/>
+              <a:t>Replace all components/services/pipes etc. from your application with the library ones</a:t>
+            </a:r>
+            <a:r>
+              <a:rPr lang="en-US" dirty="0" smtClean="0"/>
+              <a:t>)</a:t>
             </a:r>
           </a:p>
           <a:p>
@@ -7839,6 +7858,101 @@
 </p:sld>
 </file>
 
+<file path=ppt/slides/slide29.xml><?xml version="1.0" encoding="utf-8"?>
+<p:sld xmlns:a="http://schemas.openxmlformats.org/drawingml/2006/main" xmlns:r="http://schemas.openxmlformats.org/officeDocument/2006/relationships" xmlns:p="http://schemas.openxmlformats.org/presentationml/2006/main">
+  <p:cSld>
+    <p:spTree>
+      <p:nvGrpSpPr>
+        <p:cNvPr id="1" name=""/>
+        <p:cNvGrpSpPr/>
+        <p:nvPr/>
+      </p:nvGrpSpPr>
+      <p:grpSpPr>
+        <a:xfrm>
+          <a:off x="0" y="0"/>
+          <a:ext cx="0" cy="0"/>
+          <a:chOff x="0" y="0"/>
+          <a:chExt cx="0" cy="0"/>
+        </a:xfrm>
+      </p:grpSpPr>
+      <p:sp>
+        <p:nvSpPr>
+          <p:cNvPr id="2" name="Title 1"/>
+          <p:cNvSpPr>
+            <a:spLocks noGrp="1"/>
+          </p:cNvSpPr>
+          <p:nvPr>
+            <p:ph type="title"/>
+          </p:nvPr>
+        </p:nvSpPr>
+        <p:spPr/>
+        <p:txBody>
+          <a:bodyPr/>
+          <a:lstStyle/>
+          <a:p>
+            <a:r>
+              <a:rPr lang="en-US" dirty="0" smtClean="0"/>
+              <a:t>d</a:t>
+            </a:r>
+            <a:r>
+              <a:rPr lang="en-US" dirty="0" smtClean="0"/>
+              <a:t>esign – develop - </a:t>
+            </a:r>
+            <a:r>
+              <a:rPr lang="en-US" b="1" dirty="0" smtClean="0"/>
+              <a:t>deploy</a:t>
+            </a:r>
+            <a:endParaRPr lang="el-GR" b="1" dirty="0"/>
+          </a:p>
+        </p:txBody>
+      </p:sp>
+      <p:sp>
+        <p:nvSpPr>
+          <p:cNvPr id="3" name="Content Placeholder 2"/>
+          <p:cNvSpPr>
+            <a:spLocks noGrp="1"/>
+          </p:cNvSpPr>
+          <p:nvPr>
+            <p:ph idx="1"/>
+          </p:nvPr>
+        </p:nvSpPr>
+        <p:spPr>
+          <a:xfrm>
+            <a:off x="457200" y="1524000"/>
+            <a:ext cx="8229600" cy="4602163"/>
+          </a:xfrm>
+        </p:spPr>
+        <p:txBody>
+          <a:bodyPr/>
+          <a:lstStyle/>
+          <a:p>
+            <a:r>
+              <a:rPr lang="en-US" dirty="0" smtClean="0"/>
+              <a:t>After competing it the library should be advertised to architects/senior developers and forced – at least in the new projects</a:t>
+            </a:r>
+          </a:p>
+        </p:txBody>
+      </p:sp>
+    </p:spTree>
+    <p:extLst>
+      <p:ext uri="{BB962C8B-B14F-4D97-AF65-F5344CB8AC3E}">
+        <p14:creationId xmlns:p14="http://schemas.microsoft.com/office/powerpoint/2010/main" val="2504466136"/>
+      </p:ext>
+    </p:extLst>
+  </p:cSld>
+  <p:clrMapOvr>
+    <a:masterClrMapping/>
+  </p:clrMapOvr>
+  <p:timing>
+    <p:tnLst>
+      <p:par>
+        <p:cTn id="1" dur="indefinite" restart="never" nodeType="tmRoot"/>
+      </p:par>
+    </p:tnLst>
+  </p:timing>
+</p:sld>
+</file>
+
 <file path=ppt/slides/slide3.xml><?xml version="1.0" encoding="utf-8"?>
 <p:sld xmlns:a="http://schemas.openxmlformats.org/drawingml/2006/main" xmlns:r="http://schemas.openxmlformats.org/officeDocument/2006/relationships" xmlns:p="http://schemas.openxmlformats.org/presentationml/2006/main">
   <p:cSld>
@@ -7987,7 +8101,11 @@
           <a:p>
             <a:r>
               <a:rPr lang="en-US" dirty="0" smtClean="0"/>
-              <a:t>design – develop - </a:t>
+              <a:t>d</a:t>
+            </a:r>
+            <a:r>
+              <a:rPr lang="en-US" dirty="0" smtClean="0"/>
+              <a:t>esign – develop - </a:t>
             </a:r>
             <a:r>
               <a:rPr lang="en-US" b="1" dirty="0" smtClean="0"/>
@@ -8019,7 +8137,28 @@
           <a:p>
             <a:r>
               <a:rPr lang="en-US" dirty="0" smtClean="0"/>
-              <a:t>After competing it the library should be advertised to architects/senior developers and forced – at least in the new projects</a:t>
+              <a:t>Effort should regularly and officially consumed in maintenance:</a:t>
+            </a:r>
+          </a:p>
+          <a:p>
+            <a:pPr lvl="1"/>
+            <a:r>
+              <a:rPr lang="en-US" dirty="0" smtClean="0"/>
+              <a:t>Bug-fixing library's component/services/pipes (project effort)</a:t>
+            </a:r>
+          </a:p>
+          <a:p>
+            <a:pPr lvl="1"/>
+            <a:r>
+              <a:rPr lang="en-US" dirty="0" smtClean="0"/>
+              <a:t>Adding new features as they arise from development (project effort)</a:t>
+            </a:r>
+          </a:p>
+          <a:p>
+            <a:pPr lvl="1"/>
+            <a:r>
+              <a:rPr lang="en-US" dirty="0" smtClean="0"/>
+              <a:t>Releasing new versions of the library in line with major angular releases (library effort)</a:t>
             </a:r>
           </a:p>
         </p:txBody>
@@ -8078,7 +8217,11 @@
           <a:p>
             <a:r>
               <a:rPr lang="en-US" dirty="0" smtClean="0"/>
-              <a:t>design – develop - </a:t>
+              <a:t>d</a:t>
+            </a:r>
+            <a:r>
+              <a:rPr lang="en-US" dirty="0" smtClean="0"/>
+              <a:t>esign – develop - </a:t>
             </a:r>
             <a:r>
               <a:rPr lang="en-US" b="1" dirty="0" smtClean="0"/>
@@ -8101,37 +8244,69 @@
         <p:spPr>
           <a:xfrm>
             <a:off x="457200" y="1524000"/>
-            <a:ext cx="8229600" cy="4602163"/>
+            <a:ext cx="8229600" cy="4876800"/>
           </a:xfrm>
         </p:spPr>
         <p:txBody>
-          <a:bodyPr/>
-          <a:lstStyle/>
-          <a:p>
-            <a:r>
-              <a:rPr lang="en-US" dirty="0" smtClean="0"/>
-              <a:t>Effort should regularly and officially consumed in maintenance:</a:t>
+          <a:bodyPr>
+            <a:normAutofit lnSpcReduction="10000"/>
+          </a:bodyPr>
+          <a:lstStyle/>
+          <a:p>
+            <a:r>
+              <a:rPr lang="en-US" dirty="0" smtClean="0"/>
+              <a:t>Releasing new versions of the library (cont.)</a:t>
             </a:r>
           </a:p>
           <a:p>
             <a:pPr lvl="1"/>
             <a:r>
               <a:rPr lang="en-US" dirty="0" smtClean="0"/>
-              <a:t>Bug-fixing library's component/services/pipes (project effort)</a:t>
-            </a:r>
-          </a:p>
-          <a:p>
-            <a:pPr lvl="1"/>
-            <a:r>
-              <a:rPr lang="en-US" dirty="0" smtClean="0"/>
-              <a:t>Adding new features as they arise from development (project effort)</a:t>
-            </a:r>
-          </a:p>
-          <a:p>
-            <a:pPr lvl="1"/>
-            <a:r>
-              <a:rPr lang="en-US" dirty="0" smtClean="0"/>
-              <a:t>Releasing new versions of the library in line with major angular releases (library effort)</a:t>
+              <a:t>It is important to decide when and if it does makes sense to update the library</a:t>
+            </a:r>
+          </a:p>
+          <a:p>
+            <a:pPr lvl="2"/>
+            <a:r>
+              <a:rPr lang="en-US" dirty="0" smtClean="0"/>
+              <a:t>does the latest angular break the library?</a:t>
+            </a:r>
+          </a:p>
+          <a:p>
+            <a:pPr lvl="2"/>
+            <a:r>
+              <a:rPr lang="en-US" dirty="0" smtClean="0"/>
+              <a:t>does the latest angular helps significantly the library?</a:t>
+            </a:r>
+          </a:p>
+          <a:p>
+            <a:pPr lvl="2"/>
+            <a:r>
+              <a:rPr lang="en-US" dirty="0" smtClean="0"/>
+              <a:t>does the latest angular makes a part of the library obsolete?</a:t>
+            </a:r>
+          </a:p>
+          <a:p>
+            <a:pPr lvl="2"/>
+            <a:r>
+              <a:rPr lang="en-US" dirty="0" smtClean="0"/>
+              <a:t>is the latest angular ever going to supported in our projects? This should not be a question! Avoid tech debt!</a:t>
+            </a:r>
+          </a:p>
+          <a:p>
+            <a:pPr lvl="2"/>
+            <a:endParaRPr lang="en-US" dirty="0" smtClean="0"/>
+          </a:p>
+          <a:p>
+            <a:r>
+              <a:rPr lang="en-US" sz="2000" dirty="0" smtClean="0">
+                <a:hlinkClick r:id="rId2"/>
+              </a:rPr>
+              <a:t>https://en.wikipedia.org/wiki/Technical_debt</a:t>
+            </a:r>
+            <a:r>
+              <a:rPr lang="en-US" sz="2000" dirty="0" smtClean="0"/>
+              <a:t> </a:t>
             </a:r>
           </a:p>
         </p:txBody>
@@ -8139,7 +8314,7 @@
     </p:spTree>
     <p:extLst>
       <p:ext uri="{BB962C8B-B14F-4D97-AF65-F5344CB8AC3E}">
-        <p14:creationId xmlns:p14="http://schemas.microsoft.com/office/powerpoint/2010/main" val="2504466136"/>
+        <p14:creationId xmlns:p14="http://schemas.microsoft.com/office/powerpoint/2010/main" val="2075322846"/>
       </p:ext>
     </p:extLst>
   </p:cSld>
@@ -8189,12 +8364,8 @@
           <a:lstStyle/>
           <a:p>
             <a:r>
-              <a:rPr lang="en-US" dirty="0" smtClean="0"/>
-              <a:t>design – develop - </a:t>
-            </a:r>
-            <a:r>
               <a:rPr lang="en-US" b="1" dirty="0" smtClean="0"/>
-              <a:t>deploy</a:t>
+              <a:t>Thank you!</a:t>
             </a:r>
             <a:endParaRPr lang="el-GR" b="1" dirty="0"/>
           </a:p>
@@ -8218,254 +8389,6 @@
         </p:spPr>
         <p:txBody>
           <a:bodyPr>
-            <a:normAutofit lnSpcReduction="10000"/>
-          </a:bodyPr>
-          <a:lstStyle/>
-          <a:p>
-            <a:r>
-              <a:rPr lang="en-US" dirty="0" smtClean="0"/>
-              <a:t>Releasing new versions of the library (cont.)</a:t>
-            </a:r>
-          </a:p>
-          <a:p>
-            <a:pPr lvl="1"/>
-            <a:r>
-              <a:rPr lang="en-US" dirty="0" smtClean="0"/>
-              <a:t>It is important to decide when and if it does makes sense to update the library</a:t>
-            </a:r>
-          </a:p>
-          <a:p>
-            <a:pPr lvl="2"/>
-            <a:r>
-              <a:rPr lang="en-US" dirty="0" smtClean="0"/>
-              <a:t>does the latest angular break the library?</a:t>
-            </a:r>
-          </a:p>
-          <a:p>
-            <a:pPr lvl="2"/>
-            <a:r>
-              <a:rPr lang="en-US" dirty="0" smtClean="0"/>
-              <a:t>does the latest angular helps significantly the library?</a:t>
-            </a:r>
-          </a:p>
-          <a:p>
-            <a:pPr lvl="2"/>
-            <a:r>
-              <a:rPr lang="en-US" dirty="0" smtClean="0"/>
-              <a:t>does the latest angular makes a part of the library obsolete?</a:t>
-            </a:r>
-          </a:p>
-          <a:p>
-            <a:pPr lvl="2"/>
-            <a:r>
-              <a:rPr lang="en-US" dirty="0" smtClean="0"/>
-              <a:t>is the latest angular ever going to supported in our projects? This should not be a question! Avoid tech debt!</a:t>
-            </a:r>
-          </a:p>
-          <a:p>
-            <a:pPr lvl="2"/>
-            <a:endParaRPr lang="en-US" dirty="0" smtClean="0"/>
-          </a:p>
-          <a:p>
-            <a:r>
-              <a:rPr lang="en-US" sz="2000" dirty="0" smtClean="0">
-                <a:hlinkClick r:id="rId2"/>
-              </a:rPr>
-              <a:t>https://en.wikipedia.org/wiki/Technical_debt</a:t>
-            </a:r>
-            <a:r>
-              <a:rPr lang="en-US" sz="2000" dirty="0" smtClean="0"/>
-              <a:t> </a:t>
-            </a:r>
-          </a:p>
-        </p:txBody>
-      </p:sp>
-    </p:spTree>
-    <p:extLst>
-      <p:ext uri="{BB962C8B-B14F-4D97-AF65-F5344CB8AC3E}">
-        <p14:creationId xmlns:p14="http://schemas.microsoft.com/office/powerpoint/2010/main" val="2075322846"/>
-      </p:ext>
-    </p:extLst>
-  </p:cSld>
-  <p:clrMapOvr>
-    <a:masterClrMapping/>
-  </p:clrMapOvr>
-  <p:timing>
-    <p:tnLst>
-      <p:par>
-        <p:cTn id="1" dur="indefinite" restart="never" nodeType="tmRoot"/>
-      </p:par>
-    </p:tnLst>
-  </p:timing>
-</p:sld>
-</file>
-
-<file path=ppt/slides/slide33.xml><?xml version="1.0" encoding="utf-8"?>
-<p:sld xmlns:a="http://schemas.openxmlformats.org/drawingml/2006/main" xmlns:r="http://schemas.openxmlformats.org/officeDocument/2006/relationships" xmlns:p="http://schemas.openxmlformats.org/presentationml/2006/main">
-  <p:cSld>
-    <p:spTree>
-      <p:nvGrpSpPr>
-        <p:cNvPr id="1" name=""/>
-        <p:cNvGrpSpPr/>
-        <p:nvPr/>
-      </p:nvGrpSpPr>
-      <p:grpSpPr>
-        <a:xfrm>
-          <a:off x="0" y="0"/>
-          <a:ext cx="0" cy="0"/>
-          <a:chOff x="0" y="0"/>
-          <a:chExt cx="0" cy="0"/>
-        </a:xfrm>
-      </p:grpSpPr>
-      <p:sp>
-        <p:nvSpPr>
-          <p:cNvPr id="2" name="Title 1"/>
-          <p:cNvSpPr>
-            <a:spLocks noGrp="1"/>
-          </p:cNvSpPr>
-          <p:nvPr>
-            <p:ph type="title"/>
-          </p:nvPr>
-        </p:nvSpPr>
-        <p:spPr/>
-        <p:txBody>
-          <a:bodyPr/>
-          <a:lstStyle/>
-          <a:p>
-            <a:r>
-              <a:rPr lang="en-US" dirty="0" smtClean="0"/>
-              <a:t>summary</a:t>
-            </a:r>
-            <a:endParaRPr lang="el-GR" b="1" dirty="0"/>
-          </a:p>
-        </p:txBody>
-      </p:sp>
-      <p:sp>
-        <p:nvSpPr>
-          <p:cNvPr id="3" name="Content Placeholder 2"/>
-          <p:cNvSpPr>
-            <a:spLocks noGrp="1"/>
-          </p:cNvSpPr>
-          <p:nvPr>
-            <p:ph idx="1"/>
-          </p:nvPr>
-        </p:nvSpPr>
-        <p:spPr>
-          <a:xfrm>
-            <a:off x="457200" y="1524000"/>
-            <a:ext cx="8229600" cy="4876800"/>
-          </a:xfrm>
-        </p:spPr>
-        <p:txBody>
-          <a:bodyPr>
-            <a:normAutofit/>
-          </a:bodyPr>
-          <a:lstStyle/>
-          <a:p>
-            <a:r>
-              <a:rPr lang="en-US" dirty="0" smtClean="0"/>
-              <a:t>Angular CLI library</a:t>
-            </a:r>
-          </a:p>
-          <a:p>
-            <a:r>
-              <a:rPr lang="en-US" dirty="0" smtClean="0"/>
-              <a:t>How to design the library</a:t>
-            </a:r>
-          </a:p>
-          <a:p>
-            <a:r>
-              <a:rPr lang="en-US" dirty="0" smtClean="0"/>
-              <a:t>How to develop the library and it’s components</a:t>
-            </a:r>
-          </a:p>
-          <a:p>
-            <a:r>
-              <a:rPr lang="en-US" dirty="0" smtClean="0"/>
-              <a:t>How to deploy the library on your projects</a:t>
-            </a:r>
-            <a:endParaRPr lang="en-US" dirty="0" smtClean="0"/>
-          </a:p>
-        </p:txBody>
-      </p:sp>
-    </p:spTree>
-    <p:extLst>
-      <p:ext uri="{BB962C8B-B14F-4D97-AF65-F5344CB8AC3E}">
-        <p14:creationId xmlns:p14="http://schemas.microsoft.com/office/powerpoint/2010/main" val="4244647794"/>
-      </p:ext>
-    </p:extLst>
-  </p:cSld>
-  <p:clrMapOvr>
-    <a:masterClrMapping/>
-  </p:clrMapOvr>
-  <p:timing>
-    <p:tnLst>
-      <p:par>
-        <p:cTn id="1" dur="indefinite" restart="never" nodeType="tmRoot"/>
-      </p:par>
-    </p:tnLst>
-  </p:timing>
-</p:sld>
-</file>
-
-<file path=ppt/slides/slide34.xml><?xml version="1.0" encoding="utf-8"?>
-<p:sld xmlns:a="http://schemas.openxmlformats.org/drawingml/2006/main" xmlns:r="http://schemas.openxmlformats.org/officeDocument/2006/relationships" xmlns:p="http://schemas.openxmlformats.org/presentationml/2006/main">
-  <p:cSld>
-    <p:spTree>
-      <p:nvGrpSpPr>
-        <p:cNvPr id="1" name=""/>
-        <p:cNvGrpSpPr/>
-        <p:nvPr/>
-      </p:nvGrpSpPr>
-      <p:grpSpPr>
-        <a:xfrm>
-          <a:off x="0" y="0"/>
-          <a:ext cx="0" cy="0"/>
-          <a:chOff x="0" y="0"/>
-          <a:chExt cx="0" cy="0"/>
-        </a:xfrm>
-      </p:grpSpPr>
-      <p:sp>
-        <p:nvSpPr>
-          <p:cNvPr id="2" name="Title 1"/>
-          <p:cNvSpPr>
-            <a:spLocks noGrp="1"/>
-          </p:cNvSpPr>
-          <p:nvPr>
-            <p:ph type="title"/>
-          </p:nvPr>
-        </p:nvSpPr>
-        <p:spPr/>
-        <p:txBody>
-          <a:bodyPr/>
-          <a:lstStyle/>
-          <a:p>
-            <a:r>
-              <a:rPr lang="en-US" b="1" dirty="0" smtClean="0"/>
-              <a:t>Thank you!</a:t>
-            </a:r>
-            <a:endParaRPr lang="el-GR" b="1" dirty="0"/>
-          </a:p>
-        </p:txBody>
-      </p:sp>
-      <p:sp>
-        <p:nvSpPr>
-          <p:cNvPr id="3" name="Content Placeholder 2"/>
-          <p:cNvSpPr>
-            <a:spLocks noGrp="1"/>
-          </p:cNvSpPr>
-          <p:nvPr>
-            <p:ph idx="1"/>
-          </p:nvPr>
-        </p:nvSpPr>
-        <p:spPr>
-          <a:xfrm>
-            <a:off x="457200" y="1524000"/>
-            <a:ext cx="8229600" cy="4876800"/>
-          </a:xfrm>
-        </p:spPr>
-        <p:txBody>
-          <a:bodyPr>
             <a:normAutofit/>
           </a:bodyPr>
           <a:lstStyle/>
@@ -8597,52 +8520,52 @@
           <a:p>
             <a:pPr lvl="1"/>
             <a:r>
-              <a:rPr lang="en-US" sz="1400" dirty="0" smtClean="0">
+              <a:rPr lang="en-US" sz="1600" dirty="0" smtClean="0">
                 <a:hlinkClick r:id="rId7"/>
               </a:rPr>
               <a:t>https://www.iconfinder.com</a:t>
             </a:r>
             <a:r>
-              <a:rPr lang="en-US" sz="1400" dirty="0" smtClean="0"/>
+              <a:rPr lang="en-US" sz="1600" dirty="0" smtClean="0"/>
               <a:t> </a:t>
             </a:r>
           </a:p>
           <a:p>
             <a:pPr lvl="1"/>
             <a:r>
-              <a:rPr lang="en-US" sz="1400" dirty="0" smtClean="0">
+              <a:rPr lang="en-US" sz="1600" dirty="0" smtClean="0">
                 <a:hlinkClick r:id="rId8"/>
               </a:rPr>
               <a:t>https://primefaces.org/primeng</a:t>
             </a:r>
             <a:r>
-              <a:rPr lang="en-US" sz="1400" dirty="0" smtClean="0"/>
+              <a:rPr lang="en-US" sz="1600" dirty="0" smtClean="0"/>
               <a:t> </a:t>
             </a:r>
           </a:p>
           <a:p>
             <a:pPr lvl="1"/>
             <a:r>
-              <a:rPr lang="en-US" sz="1400" dirty="0" smtClean="0">
+              <a:rPr lang="en-US" sz="1600" dirty="0" smtClean="0">
                 <a:hlinkClick r:id="rId9"/>
               </a:rPr>
               <a:t>http://www.travelcarma.com/online-bus-reservation-system.htm</a:t>
             </a:r>
             <a:r>
-              <a:rPr lang="en-US" sz="1400" dirty="0" smtClean="0"/>
+              <a:rPr lang="en-US" sz="1600" dirty="0" smtClean="0"/>
               <a:t> </a:t>
             </a:r>
           </a:p>
           <a:p>
             <a:pPr lvl="1"/>
             <a:r>
-              <a:rPr lang="en-US" sz="1400" dirty="0" smtClean="0">
+              <a:rPr lang="en-US" sz="1600" dirty="0" smtClean="0">
                 <a:hlinkClick r:id="rId10"/>
               </a:rPr>
               <a:t>https://www.travelport.com/solutions/travelport-smartpoint/tips_tricks</a:t>
             </a:r>
             <a:r>
-              <a:rPr lang="en-US" sz="1400" dirty="0" smtClean="0"/>
+              <a:rPr lang="en-US" sz="1600" dirty="0" smtClean="0"/>
               <a:t> </a:t>
             </a:r>
           </a:p>
@@ -9547,7 +9470,11 @@
           <a:p>
             <a:r>
               <a:rPr lang="en-US" b="1" dirty="0" smtClean="0"/>
-              <a:t>design</a:t>
+              <a:t>d</a:t>
+            </a:r>
+            <a:r>
+              <a:rPr lang="en-US" b="1" dirty="0" smtClean="0"/>
+              <a:t>esign</a:t>
             </a:r>
             <a:r>
               <a:rPr lang="en-US" dirty="0" smtClean="0"/>
